--- a/petrik_mip_present.pptx
+++ b/petrik_mip_present.pptx
@@ -4,11 +4,18 @@
   <p:sldMasterIdLst>
     <p:sldMasterId id="2147483792" r:id="rId1"/>
   </p:sldMasterIdLst>
+  <p:notesMasterIdLst>
+    <p:notesMasterId r:id="rId10"/>
+  </p:notesMasterIdLst>
   <p:sldIdLst>
     <p:sldId id="256" r:id="rId2"/>
     <p:sldId id="258" r:id="rId3"/>
     <p:sldId id="257" r:id="rId4"/>
     <p:sldId id="259" r:id="rId5"/>
+    <p:sldId id="260" r:id="rId6"/>
+    <p:sldId id="261" r:id="rId7"/>
+    <p:sldId id="262" r:id="rId8"/>
+    <p:sldId id="263" r:id="rId9"/>
   </p:sldIdLst>
   <p:sldSz cx="12192000" cy="6858000"/>
   <p:notesSz cx="6858000" cy="9144000"/>
@@ -108,6 +115,355 @@
     </a:lvl9pPr>
   </p:defaultTextStyle>
 </p:presentation>
+</file>
+
+<file path=ppt/notesMasters/notesMaster1.xml><?xml version="1.0" encoding="utf-8"?>
+<p:notesMaster xmlns:a="http://schemas.openxmlformats.org/drawingml/2006/main" xmlns:r="http://schemas.openxmlformats.org/officeDocument/2006/relationships" xmlns:p="http://schemas.openxmlformats.org/presentationml/2006/main">
+  <p:cSld>
+    <p:bg>
+      <p:bgRef idx="1001">
+        <a:schemeClr val="bg1"/>
+      </p:bgRef>
+    </p:bg>
+    <p:spTree>
+      <p:nvGrpSpPr>
+        <p:cNvPr id="1" name=""/>
+        <p:cNvGrpSpPr/>
+        <p:nvPr/>
+      </p:nvGrpSpPr>
+      <p:grpSpPr>
+        <a:xfrm>
+          <a:off x="0" y="0"/>
+          <a:ext cx="0" cy="0"/>
+          <a:chOff x="0" y="0"/>
+          <a:chExt cx="0" cy="0"/>
+        </a:xfrm>
+      </p:grpSpPr>
+      <p:sp>
+        <p:nvSpPr>
+          <p:cNvPr id="2" name="Zástupný objekt pre hlavičku 1"/>
+          <p:cNvSpPr>
+            <a:spLocks noGrp="1"/>
+          </p:cNvSpPr>
+          <p:nvPr>
+            <p:ph type="hdr" sz="quarter"/>
+          </p:nvPr>
+        </p:nvSpPr>
+        <p:spPr>
+          <a:xfrm>
+            <a:off x="0" y="0"/>
+            <a:ext cx="2971800" cy="458788"/>
+          </a:xfrm>
+          <a:prstGeom prst="rect">
+            <a:avLst/>
+          </a:prstGeom>
+        </p:spPr>
+        <p:txBody>
+          <a:bodyPr vert="horz" lIns="91440" tIns="45720" rIns="91440" bIns="45720" rtlCol="0"/>
+          <a:lstStyle>
+            <a:lvl1pPr algn="l">
+              <a:defRPr sz="1200"/>
+            </a:lvl1pPr>
+          </a:lstStyle>
+          <a:p>
+            <a:endParaRPr lang="sk-SK"/>
+          </a:p>
+        </p:txBody>
+      </p:sp>
+      <p:sp>
+        <p:nvSpPr>
+          <p:cNvPr id="3" name="Zástupný objekt pre dátum 2"/>
+          <p:cNvSpPr>
+            <a:spLocks noGrp="1"/>
+          </p:cNvSpPr>
+          <p:nvPr>
+            <p:ph type="dt" idx="1"/>
+          </p:nvPr>
+        </p:nvSpPr>
+        <p:spPr>
+          <a:xfrm>
+            <a:off x="3884613" y="0"/>
+            <a:ext cx="2971800" cy="458788"/>
+          </a:xfrm>
+          <a:prstGeom prst="rect">
+            <a:avLst/>
+          </a:prstGeom>
+        </p:spPr>
+        <p:txBody>
+          <a:bodyPr vert="horz" lIns="91440" tIns="45720" rIns="91440" bIns="45720" rtlCol="0"/>
+          <a:lstStyle>
+            <a:lvl1pPr algn="r">
+              <a:defRPr sz="1200"/>
+            </a:lvl1pPr>
+          </a:lstStyle>
+          <a:p>
+            <a:fld id="{07775C6F-848C-4546-B9FD-01F348C4F587}" type="datetimeFigureOut">
+              <a:rPr lang="sk-SK" smtClean="0"/>
+              <a:t>22. 11. 2020</a:t>
+            </a:fld>
+            <a:endParaRPr lang="sk-SK"/>
+          </a:p>
+        </p:txBody>
+      </p:sp>
+      <p:sp>
+        <p:nvSpPr>
+          <p:cNvPr id="4" name="Zástupný objekt pre obrázok snímky 3"/>
+          <p:cNvSpPr>
+            <a:spLocks noGrp="1" noRot="1" noChangeAspect="1"/>
+          </p:cNvSpPr>
+          <p:nvPr>
+            <p:ph type="sldImg" idx="2"/>
+          </p:nvPr>
+        </p:nvSpPr>
+        <p:spPr>
+          <a:xfrm>
+            <a:off x="685800" y="1143000"/>
+            <a:ext cx="5486400" cy="3086100"/>
+          </a:xfrm>
+          <a:prstGeom prst="rect">
+            <a:avLst/>
+          </a:prstGeom>
+          <a:noFill/>
+          <a:ln w="12700">
+            <a:solidFill>
+              <a:prstClr val="black"/>
+            </a:solidFill>
+          </a:ln>
+        </p:spPr>
+        <p:txBody>
+          <a:bodyPr vert="horz" lIns="91440" tIns="45720" rIns="91440" bIns="45720" rtlCol="0" anchor="ctr"/>
+          <a:lstStyle/>
+          <a:p>
+            <a:endParaRPr lang="sk-SK"/>
+          </a:p>
+        </p:txBody>
+      </p:sp>
+      <p:sp>
+        <p:nvSpPr>
+          <p:cNvPr id="5" name="Zástupný objekt pre poznámky 4"/>
+          <p:cNvSpPr>
+            <a:spLocks noGrp="1"/>
+          </p:cNvSpPr>
+          <p:nvPr>
+            <p:ph type="body" sz="quarter" idx="3"/>
+          </p:nvPr>
+        </p:nvSpPr>
+        <p:spPr>
+          <a:xfrm>
+            <a:off x="685800" y="4400550"/>
+            <a:ext cx="5486400" cy="3600450"/>
+          </a:xfrm>
+          <a:prstGeom prst="rect">
+            <a:avLst/>
+          </a:prstGeom>
+        </p:spPr>
+        <p:txBody>
+          <a:bodyPr vert="horz" lIns="91440" tIns="45720" rIns="91440" bIns="45720" rtlCol="0"/>
+          <a:lstStyle/>
+          <a:p>
+            <a:pPr lvl="0"/>
+            <a:r>
+              <a:rPr lang="sk-SK"/>
+              <a:t>Kliknite sem a upravte štýly predlohy textu</a:t>
+            </a:r>
+          </a:p>
+          <a:p>
+            <a:pPr lvl="1"/>
+            <a:r>
+              <a:rPr lang="sk-SK"/>
+              <a:t>Druhá úroveň</a:t>
+            </a:r>
+          </a:p>
+          <a:p>
+            <a:pPr lvl="2"/>
+            <a:r>
+              <a:rPr lang="sk-SK"/>
+              <a:t>Tretia úroveň</a:t>
+            </a:r>
+          </a:p>
+          <a:p>
+            <a:pPr lvl="3"/>
+            <a:r>
+              <a:rPr lang="sk-SK"/>
+              <a:t>Štvrtá úroveň</a:t>
+            </a:r>
+          </a:p>
+          <a:p>
+            <a:pPr lvl="4"/>
+            <a:r>
+              <a:rPr lang="sk-SK"/>
+              <a:t>Piata úroveň</a:t>
+            </a:r>
+          </a:p>
+        </p:txBody>
+      </p:sp>
+      <p:sp>
+        <p:nvSpPr>
+          <p:cNvPr id="6" name="Zástupný objekt pre pätu 5"/>
+          <p:cNvSpPr>
+            <a:spLocks noGrp="1"/>
+          </p:cNvSpPr>
+          <p:nvPr>
+            <p:ph type="ftr" sz="quarter" idx="4"/>
+          </p:nvPr>
+        </p:nvSpPr>
+        <p:spPr>
+          <a:xfrm>
+            <a:off x="0" y="8685213"/>
+            <a:ext cx="2971800" cy="458787"/>
+          </a:xfrm>
+          <a:prstGeom prst="rect">
+            <a:avLst/>
+          </a:prstGeom>
+        </p:spPr>
+        <p:txBody>
+          <a:bodyPr vert="horz" lIns="91440" tIns="45720" rIns="91440" bIns="45720" rtlCol="0" anchor="b"/>
+          <a:lstStyle>
+            <a:lvl1pPr algn="l">
+              <a:defRPr sz="1200"/>
+            </a:lvl1pPr>
+          </a:lstStyle>
+          <a:p>
+            <a:endParaRPr lang="sk-SK"/>
+          </a:p>
+        </p:txBody>
+      </p:sp>
+      <p:sp>
+        <p:nvSpPr>
+          <p:cNvPr id="7" name="Zástupný objekt pre číslo snímky 6"/>
+          <p:cNvSpPr>
+            <a:spLocks noGrp="1"/>
+          </p:cNvSpPr>
+          <p:nvPr>
+            <p:ph type="sldNum" sz="quarter" idx="5"/>
+          </p:nvPr>
+        </p:nvSpPr>
+        <p:spPr>
+          <a:xfrm>
+            <a:off x="3884613" y="8685213"/>
+            <a:ext cx="2971800" cy="458787"/>
+          </a:xfrm>
+          <a:prstGeom prst="rect">
+            <a:avLst/>
+          </a:prstGeom>
+        </p:spPr>
+        <p:txBody>
+          <a:bodyPr vert="horz" lIns="91440" tIns="45720" rIns="91440" bIns="45720" rtlCol="0" anchor="b"/>
+          <a:lstStyle>
+            <a:lvl1pPr algn="r">
+              <a:defRPr sz="1200"/>
+            </a:lvl1pPr>
+          </a:lstStyle>
+          <a:p>
+            <a:fld id="{840803D7-AED3-4936-978C-2424D36A584D}" type="slidenum">
+              <a:rPr lang="sk-SK" smtClean="0"/>
+              <a:t>‹#›</a:t>
+            </a:fld>
+            <a:endParaRPr lang="sk-SK"/>
+          </a:p>
+        </p:txBody>
+      </p:sp>
+    </p:spTree>
+    <p:extLst>
+      <p:ext uri="{BB962C8B-B14F-4D97-AF65-F5344CB8AC3E}">
+        <p14:creationId xmlns:p14="http://schemas.microsoft.com/office/powerpoint/2010/main" val="3265892464"/>
+      </p:ext>
+    </p:extLst>
+  </p:cSld>
+  <p:clrMap bg1="lt1" tx1="dk1" bg2="lt2" tx2="dk2" accent1="accent1" accent2="accent2" accent3="accent3" accent4="accent4" accent5="accent5" accent6="accent6" hlink="hlink" folHlink="folHlink"/>
+  <p:notesStyle>
+    <a:lvl1pPr marL="0" algn="l" defTabSz="914400" rtl="0" eaLnBrk="1" latinLnBrk="0" hangingPunct="1">
+      <a:defRPr sz="1200" kern="1200">
+        <a:solidFill>
+          <a:schemeClr val="tx1"/>
+        </a:solidFill>
+        <a:latin typeface="+mn-lt"/>
+        <a:ea typeface="+mn-ea"/>
+        <a:cs typeface="+mn-cs"/>
+      </a:defRPr>
+    </a:lvl1pPr>
+    <a:lvl2pPr marL="457200" algn="l" defTabSz="914400" rtl="0" eaLnBrk="1" latinLnBrk="0" hangingPunct="1">
+      <a:defRPr sz="1200" kern="1200">
+        <a:solidFill>
+          <a:schemeClr val="tx1"/>
+        </a:solidFill>
+        <a:latin typeface="+mn-lt"/>
+        <a:ea typeface="+mn-ea"/>
+        <a:cs typeface="+mn-cs"/>
+      </a:defRPr>
+    </a:lvl2pPr>
+    <a:lvl3pPr marL="914400" algn="l" defTabSz="914400" rtl="0" eaLnBrk="1" latinLnBrk="0" hangingPunct="1">
+      <a:defRPr sz="1200" kern="1200">
+        <a:solidFill>
+          <a:schemeClr val="tx1"/>
+        </a:solidFill>
+        <a:latin typeface="+mn-lt"/>
+        <a:ea typeface="+mn-ea"/>
+        <a:cs typeface="+mn-cs"/>
+      </a:defRPr>
+    </a:lvl3pPr>
+    <a:lvl4pPr marL="1371600" algn="l" defTabSz="914400" rtl="0" eaLnBrk="1" latinLnBrk="0" hangingPunct="1">
+      <a:defRPr sz="1200" kern="1200">
+        <a:solidFill>
+          <a:schemeClr val="tx1"/>
+        </a:solidFill>
+        <a:latin typeface="+mn-lt"/>
+        <a:ea typeface="+mn-ea"/>
+        <a:cs typeface="+mn-cs"/>
+      </a:defRPr>
+    </a:lvl4pPr>
+    <a:lvl5pPr marL="1828800" algn="l" defTabSz="914400" rtl="0" eaLnBrk="1" latinLnBrk="0" hangingPunct="1">
+      <a:defRPr sz="1200" kern="1200">
+        <a:solidFill>
+          <a:schemeClr val="tx1"/>
+        </a:solidFill>
+        <a:latin typeface="+mn-lt"/>
+        <a:ea typeface="+mn-ea"/>
+        <a:cs typeface="+mn-cs"/>
+      </a:defRPr>
+    </a:lvl5pPr>
+    <a:lvl6pPr marL="2286000" algn="l" defTabSz="914400" rtl="0" eaLnBrk="1" latinLnBrk="0" hangingPunct="1">
+      <a:defRPr sz="1200" kern="1200">
+        <a:solidFill>
+          <a:schemeClr val="tx1"/>
+        </a:solidFill>
+        <a:latin typeface="+mn-lt"/>
+        <a:ea typeface="+mn-ea"/>
+        <a:cs typeface="+mn-cs"/>
+      </a:defRPr>
+    </a:lvl6pPr>
+    <a:lvl7pPr marL="2743200" algn="l" defTabSz="914400" rtl="0" eaLnBrk="1" latinLnBrk="0" hangingPunct="1">
+      <a:defRPr sz="1200" kern="1200">
+        <a:solidFill>
+          <a:schemeClr val="tx1"/>
+        </a:solidFill>
+        <a:latin typeface="+mn-lt"/>
+        <a:ea typeface="+mn-ea"/>
+        <a:cs typeface="+mn-cs"/>
+      </a:defRPr>
+    </a:lvl7pPr>
+    <a:lvl8pPr marL="3200400" algn="l" defTabSz="914400" rtl="0" eaLnBrk="1" latinLnBrk="0" hangingPunct="1">
+      <a:defRPr sz="1200" kern="1200">
+        <a:solidFill>
+          <a:schemeClr val="tx1"/>
+        </a:solidFill>
+        <a:latin typeface="+mn-lt"/>
+        <a:ea typeface="+mn-ea"/>
+        <a:cs typeface="+mn-cs"/>
+      </a:defRPr>
+    </a:lvl8pPr>
+    <a:lvl9pPr marL="3657600" algn="l" defTabSz="914400" rtl="0" eaLnBrk="1" latinLnBrk="0" hangingPunct="1">
+      <a:defRPr sz="1200" kern="1200">
+        <a:solidFill>
+          <a:schemeClr val="tx1"/>
+        </a:solidFill>
+        <a:latin typeface="+mn-lt"/>
+        <a:ea typeface="+mn-ea"/>
+        <a:cs typeface="+mn-cs"/>
+      </a:defRPr>
+    </a:lvl9pPr>
+  </p:notesStyle>
+</p:notesMaster>
 </file>
 
 <file path=ppt/slideLayouts/slideLayout1.xml><?xml version="1.0" encoding="utf-8"?>
@@ -21065,7 +21421,38 @@
             </a:pPr>
             <a:r>
               <a:rPr lang="sk-SK"/>
-              <a:t> prekvapivo málo výskumu (Fransilla, 20</a:t>
+              <a:t> prekvapivo málo akademického výskumu (Fransilla, 2019)</a:t>
+            </a:r>
+            <a:endParaRPr lang="sk-SK" sz="2000" baseline="30000"/>
+          </a:p>
+          <a:p>
+            <a:pPr>
+              <a:buFont typeface="Wingdings" panose="05000000000000000000" pitchFamily="2" charset="2"/>
+              <a:buChar char="Ø"/>
+            </a:pPr>
+            <a:r>
+              <a:rPr lang="sk-SK"/>
+              <a:t> analýza pracovných prostredí</a:t>
+            </a:r>
+          </a:p>
+          <a:p>
+            <a:pPr>
+              <a:buFont typeface="Wingdings" panose="05000000000000000000" pitchFamily="2" charset="2"/>
+              <a:buChar char="Ø"/>
+            </a:pPr>
+            <a:r>
+              <a:rPr lang="sk-SK"/>
+              <a:t> niektoré štúdie – nástroje</a:t>
+            </a:r>
+          </a:p>
+          <a:p>
+            <a:pPr>
+              <a:buFont typeface="Wingdings" panose="05000000000000000000" pitchFamily="2" charset="2"/>
+              <a:buChar char="Ø"/>
+            </a:pPr>
+            <a:r>
+              <a:rPr lang="sk-SK"/>
+              <a:t> psychologické štúdie</a:t>
             </a:r>
           </a:p>
         </p:txBody>
@@ -21074,6 +21461,587 @@
     <p:extLst>
       <p:ext uri="{BB962C8B-B14F-4D97-AF65-F5344CB8AC3E}">
         <p14:creationId xmlns:p14="http://schemas.microsoft.com/office/powerpoint/2010/main" val="815860911"/>
+      </p:ext>
+    </p:extLst>
+  </p:cSld>
+  <p:clrMapOvr>
+    <a:masterClrMapping/>
+  </p:clrMapOvr>
+</p:sld>
+</file>
+
+<file path=ppt/slides/slide5.xml><?xml version="1.0" encoding="utf-8"?>
+<p:sld xmlns:a="http://schemas.openxmlformats.org/drawingml/2006/main" xmlns:r="http://schemas.openxmlformats.org/officeDocument/2006/relationships" xmlns:p="http://schemas.openxmlformats.org/presentationml/2006/main">
+  <p:cSld>
+    <p:spTree>
+      <p:nvGrpSpPr>
+        <p:cNvPr id="1" name=""/>
+        <p:cNvGrpSpPr/>
+        <p:nvPr/>
+      </p:nvGrpSpPr>
+      <p:grpSpPr>
+        <a:xfrm>
+          <a:off x="0" y="0"/>
+          <a:ext cx="0" cy="0"/>
+          <a:chOff x="0" y="0"/>
+          <a:chExt cx="0" cy="0"/>
+        </a:xfrm>
+      </p:grpSpPr>
+      <p:sp>
+        <p:nvSpPr>
+          <p:cNvPr id="2" name="Nadpis 1">
+            <a:extLst>
+              <a:ext uri="{FF2B5EF4-FFF2-40B4-BE49-F238E27FC236}">
+                <a16:creationId xmlns:a16="http://schemas.microsoft.com/office/drawing/2014/main" id="{EA315245-7584-41BD-A67E-5B27C8E9D458}"/>
+              </a:ext>
+            </a:extLst>
+          </p:cNvPr>
+          <p:cNvSpPr>
+            <a:spLocks noGrp="1"/>
+          </p:cNvSpPr>
+          <p:nvPr>
+            <p:ph type="title"/>
+          </p:nvPr>
+        </p:nvSpPr>
+        <p:spPr/>
+        <p:txBody>
+          <a:bodyPr/>
+          <a:lstStyle/>
+          <a:p>
+            <a:r>
+              <a:rPr lang="sk-SK"/>
+              <a:t>Problematika časového manažmentu</a:t>
+            </a:r>
+          </a:p>
+        </p:txBody>
+      </p:sp>
+      <p:pic>
+        <p:nvPicPr>
+          <p:cNvPr id="12" name="Zástupný objekt pre obsah 11">
+            <a:extLst>
+              <a:ext uri="{FF2B5EF4-FFF2-40B4-BE49-F238E27FC236}">
+                <a16:creationId xmlns:a16="http://schemas.microsoft.com/office/drawing/2014/main" id="{D68F41B0-D35A-4938-9592-EC1F5B58DC59}"/>
+              </a:ext>
+            </a:extLst>
+          </p:cNvPr>
+          <p:cNvPicPr>
+            <a:picLocks noGrp="1" noChangeAspect="1"/>
+          </p:cNvPicPr>
+          <p:nvPr>
+            <p:ph idx="1"/>
+          </p:nvPr>
+        </p:nvPicPr>
+        <p:blipFill>
+          <a:blip r:embed="rId2">
+            <a:extLst>
+              <a:ext uri="{28A0092B-C50C-407E-A947-70E740481C1C}">
+                <a14:useLocalDpi xmlns:a14="http://schemas.microsoft.com/office/drawing/2010/main" val="0"/>
+              </a:ext>
+            </a:extLst>
+          </a:blip>
+          <a:stretch>
+            <a:fillRect/>
+          </a:stretch>
+        </p:blipFill>
+        <p:spPr>
+          <a:xfrm>
+            <a:off x="2120722" y="2084832"/>
+            <a:ext cx="7950555" cy="2394913"/>
+          </a:xfrm>
+        </p:spPr>
+      </p:pic>
+      <p:sp>
+        <p:nvSpPr>
+          <p:cNvPr id="13" name="BlokTextu 12">
+            <a:extLst>
+              <a:ext uri="{FF2B5EF4-FFF2-40B4-BE49-F238E27FC236}">
+                <a16:creationId xmlns:a16="http://schemas.microsoft.com/office/drawing/2014/main" id="{0BFC0D4C-320F-4F70-8EDE-60F32C0AFC5D}"/>
+              </a:ext>
+            </a:extLst>
+          </p:cNvPr>
+          <p:cNvSpPr txBox="1"/>
+          <p:nvPr/>
+        </p:nvSpPr>
+        <p:spPr>
+          <a:xfrm>
+            <a:off x="1024128" y="4998128"/>
+            <a:ext cx="10484528" cy="646331"/>
+          </a:xfrm>
+          <a:prstGeom prst="rect">
+            <a:avLst/>
+          </a:prstGeom>
+          <a:noFill/>
+        </p:spPr>
+        <p:txBody>
+          <a:bodyPr wrap="square" rtlCol="0">
+            <a:spAutoFit/>
+          </a:bodyPr>
+          <a:lstStyle/>
+          <a:p>
+            <a:pPr marL="285750" indent="-285750">
+              <a:buFont typeface="Wingdings" panose="05000000000000000000" pitchFamily="2" charset="2"/>
+              <a:buChar char="Ø"/>
+            </a:pPr>
+            <a:r>
+              <a:rPr lang="sk-SK"/>
+              <a:t>vzájomne navzájom súvisia</a:t>
+            </a:r>
+          </a:p>
+          <a:p>
+            <a:pPr marL="285750" indent="-285750">
+              <a:buFont typeface="Wingdings" panose="05000000000000000000" pitchFamily="2" charset="2"/>
+              <a:buChar char="Ø"/>
+            </a:pPr>
+            <a:r>
+              <a:rPr lang="sk-SK"/>
+              <a:t>v nástrojoch ich nájdeme spolu</a:t>
+            </a:r>
+          </a:p>
+        </p:txBody>
+      </p:sp>
+    </p:spTree>
+    <p:extLst>
+      <p:ext uri="{BB962C8B-B14F-4D97-AF65-F5344CB8AC3E}">
+        <p14:creationId xmlns:p14="http://schemas.microsoft.com/office/powerpoint/2010/main" val="3707386580"/>
+      </p:ext>
+    </p:extLst>
+  </p:cSld>
+  <p:clrMapOvr>
+    <a:masterClrMapping/>
+  </p:clrMapOvr>
+</p:sld>
+</file>
+
+<file path=ppt/slides/slide6.xml><?xml version="1.0" encoding="utf-8"?>
+<p:sld xmlns:a="http://schemas.openxmlformats.org/drawingml/2006/main" xmlns:r="http://schemas.openxmlformats.org/officeDocument/2006/relationships" xmlns:p="http://schemas.openxmlformats.org/presentationml/2006/main">
+  <p:cSld>
+    <p:spTree>
+      <p:nvGrpSpPr>
+        <p:cNvPr id="1" name=""/>
+        <p:cNvGrpSpPr/>
+        <p:nvPr/>
+      </p:nvGrpSpPr>
+      <p:grpSpPr>
+        <a:xfrm>
+          <a:off x="0" y="0"/>
+          <a:ext cx="0" cy="0"/>
+          <a:chOff x="0" y="0"/>
+          <a:chExt cx="0" cy="0"/>
+        </a:xfrm>
+      </p:grpSpPr>
+      <p:sp>
+        <p:nvSpPr>
+          <p:cNvPr id="2" name="Nadpis 1">
+            <a:extLst>
+              <a:ext uri="{FF2B5EF4-FFF2-40B4-BE49-F238E27FC236}">
+                <a16:creationId xmlns:a16="http://schemas.microsoft.com/office/drawing/2014/main" id="{62C5C917-F5B3-4E77-96BA-3EEB801F4150}"/>
+              </a:ext>
+            </a:extLst>
+          </p:cNvPr>
+          <p:cNvSpPr>
+            <a:spLocks noGrp="1"/>
+          </p:cNvSpPr>
+          <p:nvPr>
+            <p:ph type="title"/>
+          </p:nvPr>
+        </p:nvSpPr>
+        <p:spPr/>
+        <p:txBody>
+          <a:bodyPr/>
+          <a:lstStyle/>
+          <a:p>
+            <a:r>
+              <a:rPr lang="sk-SK"/>
+              <a:t>Základné pojmy</a:t>
+            </a:r>
+          </a:p>
+        </p:txBody>
+      </p:sp>
+      <p:sp>
+        <p:nvSpPr>
+          <p:cNvPr id="3" name="Zástupný objekt pre obsah 2">
+            <a:extLst>
+              <a:ext uri="{FF2B5EF4-FFF2-40B4-BE49-F238E27FC236}">
+                <a16:creationId xmlns:a16="http://schemas.microsoft.com/office/drawing/2014/main" id="{060BB69A-332A-4922-B4D9-2CC519A01F0D}"/>
+              </a:ext>
+            </a:extLst>
+          </p:cNvPr>
+          <p:cNvSpPr>
+            <a:spLocks noGrp="1"/>
+          </p:cNvSpPr>
+          <p:nvPr>
+            <p:ph idx="1"/>
+          </p:nvPr>
+        </p:nvSpPr>
+        <p:spPr/>
+        <p:txBody>
+          <a:bodyPr/>
+          <a:lstStyle/>
+          <a:p>
+            <a:pPr>
+              <a:buFont typeface="Wingdings" panose="05000000000000000000" pitchFamily="2" charset="2"/>
+              <a:buChar char="Ø"/>
+            </a:pPr>
+            <a:r>
+              <a:rPr lang="sk-SK"/>
+              <a:t> časový manažment – organizácia času (určitý časový interval)</a:t>
+            </a:r>
+          </a:p>
+          <a:p>
+            <a:pPr>
+              <a:buFont typeface="Wingdings" panose="05000000000000000000" pitchFamily="2" charset="2"/>
+              <a:buChar char="Ø"/>
+            </a:pPr>
+            <a:r>
+              <a:rPr lang="sk-SK"/>
+              <a:t> plánovanie úloh – dedikovanie časových segmentov pre úlohy</a:t>
+            </a:r>
+          </a:p>
+          <a:p>
+            <a:pPr>
+              <a:buFont typeface="Wingdings" panose="05000000000000000000" pitchFamily="2" charset="2"/>
+              <a:buChar char="Ø"/>
+            </a:pPr>
+            <a:r>
+              <a:rPr lang="sk-SK"/>
+              <a:t> organizácia informácií – s termínmi/úlohami sú spojené aj iné informácie</a:t>
+            </a:r>
+          </a:p>
+          <a:p>
+            <a:pPr>
+              <a:buFont typeface="Wingdings" panose="05000000000000000000" pitchFamily="2" charset="2"/>
+              <a:buChar char="Ø"/>
+            </a:pPr>
+            <a:r>
+              <a:rPr lang="sk-SK"/>
+              <a:t> fragmentácia práce – prerušenie súvislej pracovnej aktivity</a:t>
+            </a:r>
+          </a:p>
+        </p:txBody>
+      </p:sp>
+    </p:spTree>
+    <p:extLst>
+      <p:ext uri="{BB962C8B-B14F-4D97-AF65-F5344CB8AC3E}">
+        <p14:creationId xmlns:p14="http://schemas.microsoft.com/office/powerpoint/2010/main" val="2207716592"/>
+      </p:ext>
+    </p:extLst>
+  </p:cSld>
+  <p:clrMapOvr>
+    <a:masterClrMapping/>
+  </p:clrMapOvr>
+</p:sld>
+</file>
+
+<file path=ppt/slides/slide7.xml><?xml version="1.0" encoding="utf-8"?>
+<p:sld xmlns:a="http://schemas.openxmlformats.org/drawingml/2006/main" xmlns:r="http://schemas.openxmlformats.org/officeDocument/2006/relationships" xmlns:p="http://schemas.openxmlformats.org/presentationml/2006/main">
+  <p:cSld>
+    <p:spTree>
+      <p:nvGrpSpPr>
+        <p:cNvPr id="1" name=""/>
+        <p:cNvGrpSpPr/>
+        <p:nvPr/>
+      </p:nvGrpSpPr>
+      <p:grpSpPr>
+        <a:xfrm>
+          <a:off x="0" y="0"/>
+          <a:ext cx="0" cy="0"/>
+          <a:chOff x="0" y="0"/>
+          <a:chExt cx="0" cy="0"/>
+        </a:xfrm>
+      </p:grpSpPr>
+      <p:sp>
+        <p:nvSpPr>
+          <p:cNvPr id="2" name="Nadpis 1">
+            <a:extLst>
+              <a:ext uri="{FF2B5EF4-FFF2-40B4-BE49-F238E27FC236}">
+                <a16:creationId xmlns:a16="http://schemas.microsoft.com/office/drawing/2014/main" id="{2803C487-6F32-4025-A9D9-7EFCEB940975}"/>
+              </a:ext>
+            </a:extLst>
+          </p:cNvPr>
+          <p:cNvSpPr>
+            <a:spLocks noGrp="1"/>
+          </p:cNvSpPr>
+          <p:nvPr>
+            <p:ph type="title"/>
+          </p:nvPr>
+        </p:nvSpPr>
+        <p:spPr/>
+        <p:txBody>
+          <a:bodyPr/>
+          <a:lstStyle/>
+          <a:p>
+            <a:r>
+              <a:rPr lang="sk-SK"/>
+              <a:t>Nástroje</a:t>
+            </a:r>
+          </a:p>
+        </p:txBody>
+      </p:sp>
+      <p:sp>
+        <p:nvSpPr>
+          <p:cNvPr id="3" name="Zástupný objekt pre obsah 2">
+            <a:extLst>
+              <a:ext uri="{FF2B5EF4-FFF2-40B4-BE49-F238E27FC236}">
+                <a16:creationId xmlns:a16="http://schemas.microsoft.com/office/drawing/2014/main" id="{E7DBC8E4-0B65-40C8-8FFC-CBE6274B9E85}"/>
+              </a:ext>
+            </a:extLst>
+          </p:cNvPr>
+          <p:cNvSpPr>
+            <a:spLocks noGrp="1"/>
+          </p:cNvSpPr>
+          <p:nvPr>
+            <p:ph idx="1"/>
+          </p:nvPr>
+        </p:nvSpPr>
+        <p:spPr>
+          <a:xfrm>
+            <a:off x="1024128" y="1975282"/>
+            <a:ext cx="9720073" cy="4023360"/>
+          </a:xfrm>
+        </p:spPr>
+        <p:txBody>
+          <a:bodyPr/>
+          <a:lstStyle/>
+          <a:p>
+            <a:pPr>
+              <a:buFont typeface="Wingdings" panose="05000000000000000000" pitchFamily="2" charset="2"/>
+              <a:buChar char="Ø"/>
+            </a:pPr>
+            <a:r>
+              <a:rPr lang="sk-SK"/>
+              <a:t> potreba nástrojov</a:t>
+            </a:r>
+          </a:p>
+          <a:p>
+            <a:pPr>
+              <a:buFont typeface="Wingdings" panose="05000000000000000000" pitchFamily="2" charset="2"/>
+              <a:buChar char="Ø"/>
+            </a:pPr>
+            <a:r>
+              <a:rPr lang="sk-SK"/>
+              <a:t> funkcie – organizácia času, úloh, informácií</a:t>
+            </a:r>
+          </a:p>
+          <a:p>
+            <a:pPr>
+              <a:buFont typeface="Wingdings" panose="05000000000000000000" pitchFamily="2" charset="2"/>
+              <a:buChar char="Ø"/>
+            </a:pPr>
+            <a:r>
+              <a:rPr lang="sk-SK"/>
+              <a:t> </a:t>
+            </a:r>
+            <a:r>
+              <a:rPr lang="sk-SK" u="sng"/>
+              <a:t>typy nástrojov</a:t>
+            </a:r>
+            <a:r>
+              <a:rPr lang="sk-SK"/>
+              <a:t>:</a:t>
+            </a:r>
+          </a:p>
+          <a:p>
+            <a:pPr lvl="1">
+              <a:buFont typeface="Wingdings" panose="05000000000000000000" pitchFamily="2" charset="2"/>
+              <a:buChar char="Ø"/>
+            </a:pPr>
+            <a:r>
+              <a:rPr lang="sk-SK"/>
+              <a:t> klasické – pero a papier, diár, kalendár</a:t>
+            </a:r>
+          </a:p>
+          <a:p>
+            <a:pPr lvl="1">
+              <a:buFont typeface="Wingdings" panose="05000000000000000000" pitchFamily="2" charset="2"/>
+              <a:buChar char="Ø"/>
+            </a:pPr>
+            <a:r>
+              <a:rPr lang="sk-SK"/>
+              <a:t> digitálne – množstvo funkcií</a:t>
+            </a:r>
+          </a:p>
+          <a:p>
+            <a:pPr>
+              <a:buFont typeface="Wingdings" panose="05000000000000000000" pitchFamily="2" charset="2"/>
+              <a:buChar char="Ø"/>
+            </a:pPr>
+            <a:r>
+              <a:rPr lang="sk-SK"/>
+              <a:t> </a:t>
+            </a:r>
+            <a:r>
+              <a:rPr lang="sk-SK" u="sng"/>
+              <a:t>kategórie používateľov</a:t>
+            </a:r>
+            <a:r>
+              <a:rPr lang="sk-SK"/>
+              <a:t> (Haraty, 2016)</a:t>
+            </a:r>
+          </a:p>
+          <a:p>
+            <a:pPr lvl="1">
+              <a:buFont typeface="Wingdings" panose="05000000000000000000" pitchFamily="2" charset="2"/>
+              <a:buChar char="Ø"/>
+            </a:pPr>
+            <a:r>
+              <a:rPr lang="sk-SK"/>
+              <a:t> </a:t>
+            </a:r>
+            <a:r>
+              <a:rPr lang="sk-SK" b="1"/>
+              <a:t>adopters</a:t>
+            </a:r>
+            <a:r>
+              <a:rPr lang="sk-SK"/>
+              <a:t>: využívajú dedikovaný nástroj – integrácia s inými nástrojmi</a:t>
+            </a:r>
+          </a:p>
+          <a:p>
+            <a:pPr lvl="1">
+              <a:buFont typeface="Wingdings" panose="05000000000000000000" pitchFamily="2" charset="2"/>
+              <a:buChar char="Ø"/>
+            </a:pPr>
+            <a:r>
+              <a:rPr lang="sk-SK"/>
+              <a:t> </a:t>
+            </a:r>
+            <a:r>
+              <a:rPr lang="sk-SK" b="1"/>
+              <a:t>do-it-yourself-ers</a:t>
+            </a:r>
+            <a:r>
+              <a:rPr lang="sk-SK"/>
+              <a:t>: využívajú všeobecné nástroje (Word, diár), vytvárajú si vlastný systém</a:t>
+            </a:r>
+          </a:p>
+          <a:p>
+            <a:pPr lvl="2">
+              <a:buFont typeface="Wingdings" panose="05000000000000000000" pitchFamily="2" charset="2"/>
+              <a:buChar char="Ø"/>
+            </a:pPr>
+            <a:r>
+              <a:rPr lang="sk-SK"/>
+              <a:t> </a:t>
+            </a:r>
+            <a:r>
+              <a:rPr lang="sk-SK" sz="1600"/>
+              <a:t>dôvody: nepostačujúce nástroje časového manažmentu, personalizácia</a:t>
+            </a:r>
+          </a:p>
+          <a:p>
+            <a:pPr lvl="1">
+              <a:buFont typeface="Wingdings" panose="05000000000000000000" pitchFamily="2" charset="2"/>
+              <a:buChar char="Ø"/>
+            </a:pPr>
+            <a:r>
+              <a:rPr lang="sk-SK"/>
+              <a:t> </a:t>
+            </a:r>
+            <a:r>
+              <a:rPr lang="sk-SK" b="1"/>
+              <a:t>make-doers</a:t>
+            </a:r>
+            <a:r>
+              <a:rPr lang="sk-SK"/>
+              <a:t>: minimálne využitie nástrojov (email, pero a papier/Word)</a:t>
+            </a:r>
+          </a:p>
+          <a:p>
+            <a:pPr lvl="2">
+              <a:buFont typeface="Wingdings" panose="05000000000000000000" pitchFamily="2" charset="2"/>
+              <a:buChar char="Ø"/>
+            </a:pPr>
+            <a:r>
+              <a:rPr lang="sk-SK"/>
+              <a:t>preferujú predvolené nastavenia, využívajú minimálne funkcie časového manažmentu</a:t>
+            </a:r>
+          </a:p>
+        </p:txBody>
+      </p:sp>
+    </p:spTree>
+    <p:extLst>
+      <p:ext uri="{BB962C8B-B14F-4D97-AF65-F5344CB8AC3E}">
+        <p14:creationId xmlns:p14="http://schemas.microsoft.com/office/powerpoint/2010/main" val="3135907839"/>
+      </p:ext>
+    </p:extLst>
+  </p:cSld>
+  <p:clrMapOvr>
+    <a:masterClrMapping/>
+  </p:clrMapOvr>
+</p:sld>
+</file>
+
+<file path=ppt/slides/slide8.xml><?xml version="1.0" encoding="utf-8"?>
+<p:sld xmlns:a="http://schemas.openxmlformats.org/drawingml/2006/main" xmlns:r="http://schemas.openxmlformats.org/officeDocument/2006/relationships" xmlns:p="http://schemas.openxmlformats.org/presentationml/2006/main">
+  <p:cSld>
+    <p:spTree>
+      <p:nvGrpSpPr>
+        <p:cNvPr id="1" name=""/>
+        <p:cNvGrpSpPr/>
+        <p:nvPr/>
+      </p:nvGrpSpPr>
+      <p:grpSpPr>
+        <a:xfrm>
+          <a:off x="0" y="0"/>
+          <a:ext cx="0" cy="0"/>
+          <a:chOff x="0" y="0"/>
+          <a:chExt cx="0" cy="0"/>
+        </a:xfrm>
+      </p:grpSpPr>
+      <p:sp>
+        <p:nvSpPr>
+          <p:cNvPr id="2" name="Nadpis 1">
+            <a:extLst>
+              <a:ext uri="{FF2B5EF4-FFF2-40B4-BE49-F238E27FC236}">
+                <a16:creationId xmlns:a16="http://schemas.microsoft.com/office/drawing/2014/main" id="{4A38F958-1B45-40C6-AF6E-693EBB6056A5}"/>
+              </a:ext>
+            </a:extLst>
+          </p:cNvPr>
+          <p:cNvSpPr>
+            <a:spLocks noGrp="1"/>
+          </p:cNvSpPr>
+          <p:nvPr>
+            <p:ph type="title"/>
+          </p:nvPr>
+        </p:nvSpPr>
+        <p:spPr/>
+        <p:txBody>
+          <a:bodyPr/>
+          <a:lstStyle/>
+          <a:p>
+            <a:endParaRPr lang="sk-SK"/>
+          </a:p>
+        </p:txBody>
+      </p:sp>
+      <p:sp>
+        <p:nvSpPr>
+          <p:cNvPr id="3" name="Zástupný objekt pre obsah 2">
+            <a:extLst>
+              <a:ext uri="{FF2B5EF4-FFF2-40B4-BE49-F238E27FC236}">
+                <a16:creationId xmlns:a16="http://schemas.microsoft.com/office/drawing/2014/main" id="{AFD5E67F-BA36-449A-BCFB-FDDA82003DCF}"/>
+              </a:ext>
+            </a:extLst>
+          </p:cNvPr>
+          <p:cNvSpPr>
+            <a:spLocks noGrp="1"/>
+          </p:cNvSpPr>
+          <p:nvPr>
+            <p:ph idx="1"/>
+          </p:nvPr>
+        </p:nvSpPr>
+        <p:spPr/>
+        <p:txBody>
+          <a:bodyPr/>
+          <a:lstStyle/>
+          <a:p>
+            <a:endParaRPr lang="sk-SK"/>
+          </a:p>
+        </p:txBody>
+      </p:sp>
+    </p:spTree>
+    <p:extLst>
+      <p:ext uri="{BB962C8B-B14F-4D97-AF65-F5344CB8AC3E}">
+        <p14:creationId xmlns:p14="http://schemas.microsoft.com/office/powerpoint/2010/main" val="1479504594"/>
       </p:ext>
     </p:extLst>
   </p:cSld>
@@ -21349,4 +22317,299 @@
     </a:ext>
   </a:extLst>
 </a:theme>
+</file>
+
+<file path=ppt/theme/theme2.xml><?xml version="1.0" encoding="utf-8"?>
+<a:theme xmlns:a="http://schemas.openxmlformats.org/drawingml/2006/main" name="Motív Office">
+  <a:themeElements>
+    <a:clrScheme name="Office">
+      <a:dk1>
+        <a:sysClr val="windowText" lastClr="000000"/>
+      </a:dk1>
+      <a:lt1>
+        <a:sysClr val="window" lastClr="FFFFFF"/>
+      </a:lt1>
+      <a:dk2>
+        <a:srgbClr val="44546A"/>
+      </a:dk2>
+      <a:lt2>
+        <a:srgbClr val="E7E6E6"/>
+      </a:lt2>
+      <a:accent1>
+        <a:srgbClr val="4472C4"/>
+      </a:accent1>
+      <a:accent2>
+        <a:srgbClr val="ED7D31"/>
+      </a:accent2>
+      <a:accent3>
+        <a:srgbClr val="A5A5A5"/>
+      </a:accent3>
+      <a:accent4>
+        <a:srgbClr val="FFC000"/>
+      </a:accent4>
+      <a:accent5>
+        <a:srgbClr val="5B9BD5"/>
+      </a:accent5>
+      <a:accent6>
+        <a:srgbClr val="70AD47"/>
+      </a:accent6>
+      <a:hlink>
+        <a:srgbClr val="0563C1"/>
+      </a:hlink>
+      <a:folHlink>
+        <a:srgbClr val="954F72"/>
+      </a:folHlink>
+    </a:clrScheme>
+    <a:fontScheme name="Office">
+      <a:majorFont>
+        <a:latin typeface="Calibri Light" panose="020F0302020204030204"/>
+        <a:ea typeface=""/>
+        <a:cs typeface=""/>
+        <a:font script="Jpan" typeface="游ゴシック Light"/>
+        <a:font script="Hang" typeface="맑은 고딕"/>
+        <a:font script="Hans" typeface="等线 Light"/>
+        <a:font script="Hant" typeface="新細明體"/>
+        <a:font script="Arab" typeface="Times New Roman"/>
+        <a:font script="Hebr" typeface="Times New Roman"/>
+        <a:font script="Thai" typeface="Angsana New"/>
+        <a:font script="Ethi" typeface="Nyala"/>
+        <a:font script="Beng" typeface="Vrinda"/>
+        <a:font script="Gujr" typeface="Shruti"/>
+        <a:font script="Khmr" typeface="MoolBoran"/>
+        <a:font script="Knda" typeface="Tunga"/>
+        <a:font script="Guru" typeface="Raavi"/>
+        <a:font script="Cans" typeface="Euphemia"/>
+        <a:font script="Cher" typeface="Plantagenet Cherokee"/>
+        <a:font script="Yiii" typeface="Microsoft Yi Baiti"/>
+        <a:font script="Tibt" typeface="Microsoft Himalaya"/>
+        <a:font script="Thaa" typeface="MV Boli"/>
+        <a:font script="Deva" typeface="Mangal"/>
+        <a:font script="Telu" typeface="Gautami"/>
+        <a:font script="Taml" typeface="Latha"/>
+        <a:font script="Syrc" typeface="Estrangelo Edessa"/>
+        <a:font script="Orya" typeface="Kalinga"/>
+        <a:font script="Mlym" typeface="Kartika"/>
+        <a:font script="Laoo" typeface="DokChampa"/>
+        <a:font script="Sinh" typeface="Iskoola Pota"/>
+        <a:font script="Mong" typeface="Mongolian Baiti"/>
+        <a:font script="Viet" typeface="Times New Roman"/>
+        <a:font script="Uigh" typeface="Microsoft Uighur"/>
+        <a:font script="Geor" typeface="Sylfaen"/>
+        <a:font script="Armn" typeface="Arial"/>
+        <a:font script="Bugi" typeface="Leelawadee UI"/>
+        <a:font script="Bopo" typeface="Microsoft JhengHei"/>
+        <a:font script="Java" typeface="Javanese Text"/>
+        <a:font script="Lisu" typeface="Segoe UI"/>
+        <a:font script="Mymr" typeface="Myanmar Text"/>
+        <a:font script="Nkoo" typeface="Ebrima"/>
+        <a:font script="Olck" typeface="Nirmala UI"/>
+        <a:font script="Osma" typeface="Ebrima"/>
+        <a:font script="Phag" typeface="Phagspa"/>
+        <a:font script="Syrn" typeface="Estrangelo Edessa"/>
+        <a:font script="Syrj" typeface="Estrangelo Edessa"/>
+        <a:font script="Syre" typeface="Estrangelo Edessa"/>
+        <a:font script="Sora" typeface="Nirmala UI"/>
+        <a:font script="Tale" typeface="Microsoft Tai Le"/>
+        <a:font script="Talu" typeface="Microsoft New Tai Lue"/>
+        <a:font script="Tfng" typeface="Ebrima"/>
+      </a:majorFont>
+      <a:minorFont>
+        <a:latin typeface="Calibri" panose="020F0502020204030204"/>
+        <a:ea typeface=""/>
+        <a:cs typeface=""/>
+        <a:font script="Jpan" typeface="游ゴシック"/>
+        <a:font script="Hang" typeface="맑은 고딕"/>
+        <a:font script="Hans" typeface="等线"/>
+        <a:font script="Hant" typeface="新細明體"/>
+        <a:font script="Arab" typeface="Arial"/>
+        <a:font script="Hebr" typeface="Arial"/>
+        <a:font script="Thai" typeface="Cordia New"/>
+        <a:font script="Ethi" typeface="Nyala"/>
+        <a:font script="Beng" typeface="Vrinda"/>
+        <a:font script="Gujr" typeface="Shruti"/>
+        <a:font script="Khmr" typeface="DaunPenh"/>
+        <a:font script="Knda" typeface="Tunga"/>
+        <a:font script="Guru" typeface="Raavi"/>
+        <a:font script="Cans" typeface="Euphemia"/>
+        <a:font script="Cher" typeface="Plantagenet Cherokee"/>
+        <a:font script="Yiii" typeface="Microsoft Yi Baiti"/>
+        <a:font script="Tibt" typeface="Microsoft Himalaya"/>
+        <a:font script="Thaa" typeface="MV Boli"/>
+        <a:font script="Deva" typeface="Mangal"/>
+        <a:font script="Telu" typeface="Gautami"/>
+        <a:font script="Taml" typeface="Latha"/>
+        <a:font script="Syrc" typeface="Estrangelo Edessa"/>
+        <a:font script="Orya" typeface="Kalinga"/>
+        <a:font script="Mlym" typeface="Kartika"/>
+        <a:font script="Laoo" typeface="DokChampa"/>
+        <a:font script="Sinh" typeface="Iskoola Pota"/>
+        <a:font script="Mong" typeface="Mongolian Baiti"/>
+        <a:font script="Viet" typeface="Arial"/>
+        <a:font script="Uigh" typeface="Microsoft Uighur"/>
+        <a:font script="Geor" typeface="Sylfaen"/>
+        <a:font script="Armn" typeface="Arial"/>
+        <a:font script="Bugi" typeface="Leelawadee UI"/>
+        <a:font script="Bopo" typeface="Microsoft JhengHei"/>
+        <a:font script="Java" typeface="Javanese Text"/>
+        <a:font script="Lisu" typeface="Segoe UI"/>
+        <a:font script="Mymr" typeface="Myanmar Text"/>
+        <a:font script="Nkoo" typeface="Ebrima"/>
+        <a:font script="Olck" typeface="Nirmala UI"/>
+        <a:font script="Osma" typeface="Ebrima"/>
+        <a:font script="Phag" typeface="Phagspa"/>
+        <a:font script="Syrn" typeface="Estrangelo Edessa"/>
+        <a:font script="Syrj" typeface="Estrangelo Edessa"/>
+        <a:font script="Syre" typeface="Estrangelo Edessa"/>
+        <a:font script="Sora" typeface="Nirmala UI"/>
+        <a:font script="Tale" typeface="Microsoft Tai Le"/>
+        <a:font script="Talu" typeface="Microsoft New Tai Lue"/>
+        <a:font script="Tfng" typeface="Ebrima"/>
+      </a:minorFont>
+    </a:fontScheme>
+    <a:fmtScheme name="Office">
+      <a:fillStyleLst>
+        <a:solidFill>
+          <a:schemeClr val="phClr"/>
+        </a:solidFill>
+        <a:gradFill rotWithShape="1">
+          <a:gsLst>
+            <a:gs pos="0">
+              <a:schemeClr val="phClr">
+                <a:lumMod val="110000"/>
+                <a:satMod val="105000"/>
+                <a:tint val="67000"/>
+              </a:schemeClr>
+            </a:gs>
+            <a:gs pos="50000">
+              <a:schemeClr val="phClr">
+                <a:lumMod val="105000"/>
+                <a:satMod val="103000"/>
+                <a:tint val="73000"/>
+              </a:schemeClr>
+            </a:gs>
+            <a:gs pos="100000">
+              <a:schemeClr val="phClr">
+                <a:lumMod val="105000"/>
+                <a:satMod val="109000"/>
+                <a:tint val="81000"/>
+              </a:schemeClr>
+            </a:gs>
+          </a:gsLst>
+          <a:lin ang="5400000" scaled="0"/>
+        </a:gradFill>
+        <a:gradFill rotWithShape="1">
+          <a:gsLst>
+            <a:gs pos="0">
+              <a:schemeClr val="phClr">
+                <a:satMod val="103000"/>
+                <a:lumMod val="102000"/>
+                <a:tint val="94000"/>
+              </a:schemeClr>
+            </a:gs>
+            <a:gs pos="50000">
+              <a:schemeClr val="phClr">
+                <a:satMod val="110000"/>
+                <a:lumMod val="100000"/>
+                <a:shade val="100000"/>
+              </a:schemeClr>
+            </a:gs>
+            <a:gs pos="100000">
+              <a:schemeClr val="phClr">
+                <a:lumMod val="99000"/>
+                <a:satMod val="120000"/>
+                <a:shade val="78000"/>
+              </a:schemeClr>
+            </a:gs>
+          </a:gsLst>
+          <a:lin ang="5400000" scaled="0"/>
+        </a:gradFill>
+      </a:fillStyleLst>
+      <a:lnStyleLst>
+        <a:ln w="6350" cap="flat" cmpd="sng" algn="ctr">
+          <a:solidFill>
+            <a:schemeClr val="phClr"/>
+          </a:solidFill>
+          <a:prstDash val="solid"/>
+          <a:miter lim="800000"/>
+        </a:ln>
+        <a:ln w="12700" cap="flat" cmpd="sng" algn="ctr">
+          <a:solidFill>
+            <a:schemeClr val="phClr"/>
+          </a:solidFill>
+          <a:prstDash val="solid"/>
+          <a:miter lim="800000"/>
+        </a:ln>
+        <a:ln w="19050" cap="flat" cmpd="sng" algn="ctr">
+          <a:solidFill>
+            <a:schemeClr val="phClr"/>
+          </a:solidFill>
+          <a:prstDash val="solid"/>
+          <a:miter lim="800000"/>
+        </a:ln>
+      </a:lnStyleLst>
+      <a:effectStyleLst>
+        <a:effectStyle>
+          <a:effectLst/>
+        </a:effectStyle>
+        <a:effectStyle>
+          <a:effectLst/>
+        </a:effectStyle>
+        <a:effectStyle>
+          <a:effectLst>
+            <a:outerShdw blurRad="57150" dist="19050" dir="5400000" algn="ctr" rotWithShape="0">
+              <a:srgbClr val="000000">
+                <a:alpha val="63000"/>
+              </a:srgbClr>
+            </a:outerShdw>
+          </a:effectLst>
+        </a:effectStyle>
+      </a:effectStyleLst>
+      <a:bgFillStyleLst>
+        <a:solidFill>
+          <a:schemeClr val="phClr"/>
+        </a:solidFill>
+        <a:solidFill>
+          <a:schemeClr val="phClr">
+            <a:tint val="95000"/>
+            <a:satMod val="170000"/>
+          </a:schemeClr>
+        </a:solidFill>
+        <a:gradFill rotWithShape="1">
+          <a:gsLst>
+            <a:gs pos="0">
+              <a:schemeClr val="phClr">
+                <a:tint val="93000"/>
+                <a:satMod val="150000"/>
+                <a:shade val="98000"/>
+                <a:lumMod val="102000"/>
+              </a:schemeClr>
+            </a:gs>
+            <a:gs pos="50000">
+              <a:schemeClr val="phClr">
+                <a:tint val="98000"/>
+                <a:satMod val="130000"/>
+                <a:shade val="90000"/>
+                <a:lumMod val="103000"/>
+              </a:schemeClr>
+            </a:gs>
+            <a:gs pos="100000">
+              <a:schemeClr val="phClr">
+                <a:shade val="63000"/>
+                <a:satMod val="120000"/>
+              </a:schemeClr>
+            </a:gs>
+          </a:gsLst>
+          <a:lin ang="5400000" scaled="0"/>
+        </a:gradFill>
+      </a:bgFillStyleLst>
+    </a:fmtScheme>
+  </a:themeElements>
+  <a:objectDefaults/>
+  <a:extraClrSchemeLst/>
+  <a:extLst>
+    <a:ext uri="{05A4C25C-085E-4340-85A3-A5531E510DB2}">
+      <thm15:themeFamily xmlns:thm15="http://schemas.microsoft.com/office/thememl/2012/main" name="Office Theme" id="{62F939B6-93AF-4DB8-9C6B-D6C7DFDC589F}" vid="{4A3C46E8-61CC-4603-A589-7422A47A8E4A}"/>
+    </a:ext>
+  </a:extLst>
+</a:theme>
 </file>
--- a/petrik_mip_present.pptx
+++ b/petrik_mip_present.pptx
@@ -5,7 +5,7 @@
     <p:sldMasterId id="2147483792" r:id="rId1"/>
   </p:sldMasterIdLst>
   <p:notesMasterIdLst>
-    <p:notesMasterId r:id="rId10"/>
+    <p:notesMasterId r:id="rId14"/>
   </p:notesMasterIdLst>
   <p:sldIdLst>
     <p:sldId id="256" r:id="rId2"/>
@@ -16,6 +16,10 @@
     <p:sldId id="261" r:id="rId7"/>
     <p:sldId id="262" r:id="rId8"/>
     <p:sldId id="263" r:id="rId9"/>
+    <p:sldId id="264" r:id="rId10"/>
+    <p:sldId id="265" r:id="rId11"/>
+    <p:sldId id="266" r:id="rId12"/>
+    <p:sldId id="267" r:id="rId13"/>
   </p:sldIdLst>
   <p:sldSz cx="12192000" cy="6858000"/>
   <p:notesSz cx="6858000" cy="9144000"/>
@@ -115,6 +119,832 @@
     </a:lvl9pPr>
   </p:defaultTextStyle>
 </p:presentation>
+</file>
+
+<file path=ppt/charts/chart1.xml><?xml version="1.0" encoding="utf-8"?>
+<c:chartSpace xmlns:c="http://schemas.openxmlformats.org/drawingml/2006/chart" xmlns:a="http://schemas.openxmlformats.org/drawingml/2006/main" xmlns:r="http://schemas.openxmlformats.org/officeDocument/2006/relationships" xmlns:c16r2="http://schemas.microsoft.com/office/drawing/2015/06/chart">
+  <c:date1904 val="0"/>
+  <c:lang val="sk-SK"/>
+  <c:roundedCorners val="0"/>
+  <mc:AlternateContent xmlns:mc="http://schemas.openxmlformats.org/markup-compatibility/2006">
+    <mc:Choice xmlns:c14="http://schemas.microsoft.com/office/drawing/2007/8/2/chart" Requires="c14">
+      <c14:style val="102"/>
+    </mc:Choice>
+    <mc:Fallback>
+      <c:style val="2"/>
+    </mc:Fallback>
+  </mc:AlternateContent>
+  <c:chart>
+    <c:title>
+      <c:tx>
+        <c:rich>
+          <a:bodyPr rot="0" spcFirstLastPara="1" vertOverflow="ellipsis" vert="horz" wrap="square" anchor="ctr" anchorCtr="1"/>
+          <a:lstStyle/>
+          <a:p>
+            <a:pPr>
+              <a:defRPr sz="1400" b="0" i="0" u="none" strike="noStrike" kern="1200" spc="0" baseline="0">
+                <a:solidFill>
+                  <a:schemeClr val="tx1">
+                    <a:lumMod val="65000"/>
+                    <a:lumOff val="35000"/>
+                  </a:schemeClr>
+                </a:solidFill>
+                <a:latin typeface="+mn-lt"/>
+                <a:ea typeface="+mn-ea"/>
+                <a:cs typeface="+mn-cs"/>
+              </a:defRPr>
+            </a:pPr>
+            <a:r>
+              <a:rPr lang="sk-SK"/>
+              <a:t>Kategórie</a:t>
+            </a:r>
+            <a:r>
+              <a:rPr lang="sk-SK" baseline="0"/>
+              <a:t> účastníkov</a:t>
+            </a:r>
+            <a:endParaRPr lang="sk-SK"/>
+          </a:p>
+        </c:rich>
+      </c:tx>
+      <c:overlay val="0"/>
+      <c:spPr>
+        <a:noFill/>
+        <a:ln>
+          <a:noFill/>
+        </a:ln>
+        <a:effectLst/>
+      </c:spPr>
+      <c:txPr>
+        <a:bodyPr rot="0" spcFirstLastPara="1" vertOverflow="ellipsis" vert="horz" wrap="square" anchor="ctr" anchorCtr="1"/>
+        <a:lstStyle/>
+        <a:p>
+          <a:pPr>
+            <a:defRPr sz="1400" b="0" i="0" u="none" strike="noStrike" kern="1200" spc="0" baseline="0">
+              <a:solidFill>
+                <a:schemeClr val="tx1">
+                  <a:lumMod val="65000"/>
+                  <a:lumOff val="35000"/>
+                </a:schemeClr>
+              </a:solidFill>
+              <a:latin typeface="+mn-lt"/>
+              <a:ea typeface="+mn-ea"/>
+              <a:cs typeface="+mn-cs"/>
+            </a:defRPr>
+          </a:pPr>
+          <a:endParaRPr lang="sk-SK"/>
+        </a:p>
+      </c:txPr>
+    </c:title>
+    <c:autoTitleDeleted val="0"/>
+    <c:plotArea>
+      <c:layout/>
+      <c:pieChart>
+        <c:varyColors val="1"/>
+        <c:ser>
+          <c:idx val="0"/>
+          <c:order val="0"/>
+          <c:dPt>
+            <c:idx val="0"/>
+            <c:bubble3D val="0"/>
+            <c:spPr>
+              <a:solidFill>
+                <a:srgbClr val="FF0000"/>
+              </a:solidFill>
+              <a:ln w="19050">
+                <a:solidFill>
+                  <a:schemeClr val="lt1"/>
+                </a:solidFill>
+              </a:ln>
+              <a:effectLst/>
+            </c:spPr>
+            <c:extLst>
+              <c:ext xmlns:c16="http://schemas.microsoft.com/office/drawing/2014/chart" uri="{C3380CC4-5D6E-409C-BE32-E72D297353CC}">
+                <c16:uniqueId val="{00000001-CB63-4097-9AF8-BCB2FEB7AF62}"/>
+              </c:ext>
+            </c:extLst>
+          </c:dPt>
+          <c:dPt>
+            <c:idx val="1"/>
+            <c:bubble3D val="0"/>
+            <c:spPr>
+              <a:solidFill>
+                <a:schemeClr val="accent2"/>
+              </a:solidFill>
+              <a:ln w="19050">
+                <a:solidFill>
+                  <a:schemeClr val="lt1"/>
+                </a:solidFill>
+              </a:ln>
+              <a:effectLst/>
+            </c:spPr>
+            <c:extLst>
+              <c:ext xmlns:c16="http://schemas.microsoft.com/office/drawing/2014/chart" uri="{C3380CC4-5D6E-409C-BE32-E72D297353CC}">
+                <c16:uniqueId val="{00000003-CB63-4097-9AF8-BCB2FEB7AF62}"/>
+              </c:ext>
+            </c:extLst>
+          </c:dPt>
+          <c:dPt>
+            <c:idx val="2"/>
+            <c:bubble3D val="0"/>
+            <c:spPr>
+              <a:solidFill>
+                <a:srgbClr val="FFC000"/>
+              </a:solidFill>
+              <a:ln w="19050">
+                <a:solidFill>
+                  <a:schemeClr val="lt1"/>
+                </a:solidFill>
+              </a:ln>
+              <a:effectLst/>
+            </c:spPr>
+            <c:extLst>
+              <c:ext xmlns:c16="http://schemas.microsoft.com/office/drawing/2014/chart" uri="{C3380CC4-5D6E-409C-BE32-E72D297353CC}">
+                <c16:uniqueId val="{00000005-CB63-4097-9AF8-BCB2FEB7AF62}"/>
+              </c:ext>
+            </c:extLst>
+          </c:dPt>
+          <c:cat>
+            <c:strRef>
+              <c:f>Hárok1!$B$21:$B$23</c:f>
+              <c:strCache>
+                <c:ptCount val="3"/>
+                <c:pt idx="0">
+                  <c:v>DYIer</c:v>
+                </c:pt>
+                <c:pt idx="1">
+                  <c:v>Adopter</c:v>
+                </c:pt>
+                <c:pt idx="2">
+                  <c:v>Make-Doer</c:v>
+                </c:pt>
+              </c:strCache>
+            </c:strRef>
+          </c:cat>
+          <c:val>
+            <c:numRef>
+              <c:f>Hárok1!$C$21:$C$23</c:f>
+              <c:numCache>
+                <c:formatCode>General</c:formatCode>
+                <c:ptCount val="3"/>
+                <c:pt idx="0">
+                  <c:v>11</c:v>
+                </c:pt>
+                <c:pt idx="1">
+                  <c:v>4</c:v>
+                </c:pt>
+                <c:pt idx="2">
+                  <c:v>4</c:v>
+                </c:pt>
+              </c:numCache>
+            </c:numRef>
+          </c:val>
+          <c:extLst>
+            <c:ext xmlns:c16="http://schemas.microsoft.com/office/drawing/2014/chart" uri="{C3380CC4-5D6E-409C-BE32-E72D297353CC}">
+              <c16:uniqueId val="{00000006-CB63-4097-9AF8-BCB2FEB7AF62}"/>
+            </c:ext>
+          </c:extLst>
+        </c:ser>
+        <c:dLbls>
+          <c:showLegendKey val="0"/>
+          <c:showVal val="0"/>
+          <c:showCatName val="0"/>
+          <c:showSerName val="0"/>
+          <c:showPercent val="0"/>
+          <c:showBubbleSize val="0"/>
+          <c:showLeaderLines val="1"/>
+        </c:dLbls>
+        <c:firstSliceAng val="0"/>
+      </c:pieChart>
+      <c:spPr>
+        <a:noFill/>
+        <a:ln>
+          <a:noFill/>
+        </a:ln>
+        <a:effectLst/>
+      </c:spPr>
+    </c:plotArea>
+    <c:legend>
+      <c:legendPos val="b"/>
+      <c:overlay val="0"/>
+      <c:spPr>
+        <a:noFill/>
+        <a:ln>
+          <a:noFill/>
+        </a:ln>
+        <a:effectLst/>
+      </c:spPr>
+      <c:txPr>
+        <a:bodyPr rot="0" spcFirstLastPara="1" vertOverflow="ellipsis" vert="horz" wrap="square" anchor="ctr" anchorCtr="1"/>
+        <a:lstStyle/>
+        <a:p>
+          <a:pPr>
+            <a:defRPr sz="1400" b="0" i="0" u="none" strike="noStrike" kern="1200" baseline="0">
+              <a:solidFill>
+                <a:schemeClr val="tx1">
+                  <a:lumMod val="65000"/>
+                  <a:lumOff val="35000"/>
+                </a:schemeClr>
+              </a:solidFill>
+              <a:latin typeface="+mn-lt"/>
+              <a:ea typeface="+mn-ea"/>
+              <a:cs typeface="+mn-cs"/>
+            </a:defRPr>
+          </a:pPr>
+          <a:endParaRPr lang="sk-SK"/>
+        </a:p>
+      </c:txPr>
+    </c:legend>
+    <c:plotVisOnly val="1"/>
+    <c:dispBlanksAs val="gap"/>
+    <c:extLst>
+      <c:ext xmlns:c16r3="http://schemas.microsoft.com/office/drawing/2017/03/chart" uri="{56B9EC1D-385E-4148-901F-78D8002777C0}">
+        <c16r3:dataDisplayOptions16>
+          <c16r3:dispNaAsBlank val="1"/>
+        </c16r3:dataDisplayOptions16>
+      </c:ext>
+    </c:extLst>
+    <c:showDLblsOverMax val="0"/>
+  </c:chart>
+  <c:spPr>
+    <a:noFill/>
+    <a:ln>
+      <a:noFill/>
+    </a:ln>
+    <a:effectLst/>
+  </c:spPr>
+  <c:txPr>
+    <a:bodyPr/>
+    <a:lstStyle/>
+    <a:p>
+      <a:pPr>
+        <a:defRPr/>
+      </a:pPr>
+      <a:endParaRPr lang="sk-SK"/>
+    </a:p>
+  </c:txPr>
+  <c:externalData r:id="rId3">
+    <c:autoUpdate val="0"/>
+  </c:externalData>
+</c:chartSpace>
+</file>
+
+<file path=ppt/charts/colors1.xml><?xml version="1.0" encoding="utf-8"?>
+<cs:colorStyle xmlns:cs="http://schemas.microsoft.com/office/drawing/2012/chartStyle" xmlns:a="http://schemas.openxmlformats.org/drawingml/2006/main" meth="cycle" id="10">
+  <a:schemeClr val="accent1"/>
+  <a:schemeClr val="accent2"/>
+  <a:schemeClr val="accent3"/>
+  <a:schemeClr val="accent4"/>
+  <a:schemeClr val="accent5"/>
+  <a:schemeClr val="accent6"/>
+  <cs:variation/>
+  <cs:variation>
+    <a:lumMod val="60000"/>
+  </cs:variation>
+  <cs:variation>
+    <a:lumMod val="80000"/>
+    <a:lumOff val="20000"/>
+  </cs:variation>
+  <cs:variation>
+    <a:lumMod val="80000"/>
+  </cs:variation>
+  <cs:variation>
+    <a:lumMod val="60000"/>
+    <a:lumOff val="40000"/>
+  </cs:variation>
+  <cs:variation>
+    <a:lumMod val="50000"/>
+  </cs:variation>
+  <cs:variation>
+    <a:lumMod val="70000"/>
+    <a:lumOff val="30000"/>
+  </cs:variation>
+  <cs:variation>
+    <a:lumMod val="70000"/>
+  </cs:variation>
+  <cs:variation>
+    <a:lumMod val="50000"/>
+    <a:lumOff val="50000"/>
+  </cs:variation>
+</cs:colorStyle>
+</file>
+
+<file path=ppt/charts/style1.xml><?xml version="1.0" encoding="utf-8"?>
+<cs:chartStyle xmlns:cs="http://schemas.microsoft.com/office/drawing/2012/chartStyle" xmlns:a="http://schemas.openxmlformats.org/drawingml/2006/main" id="251">
+  <cs:axisTitle>
+    <cs:lnRef idx="0"/>
+    <cs:fillRef idx="0"/>
+    <cs:effectRef idx="0"/>
+    <cs:fontRef idx="minor">
+      <a:schemeClr val="tx1">
+        <a:lumMod val="65000"/>
+        <a:lumOff val="35000"/>
+      </a:schemeClr>
+    </cs:fontRef>
+    <cs:defRPr sz="1000" kern="1200"/>
+  </cs:axisTitle>
+  <cs:categoryAxis>
+    <cs:lnRef idx="0"/>
+    <cs:fillRef idx="0"/>
+    <cs:effectRef idx="0"/>
+    <cs:fontRef idx="minor">
+      <a:schemeClr val="tx1">
+        <a:lumMod val="65000"/>
+        <a:lumOff val="35000"/>
+      </a:schemeClr>
+    </cs:fontRef>
+    <cs:spPr>
+      <a:ln w="9525" cap="flat" cmpd="sng" algn="ctr">
+        <a:solidFill>
+          <a:schemeClr val="tx1">
+            <a:lumMod val="15000"/>
+            <a:lumOff val="85000"/>
+          </a:schemeClr>
+        </a:solidFill>
+        <a:round/>
+      </a:ln>
+    </cs:spPr>
+    <cs:defRPr sz="900" kern="1200"/>
+  </cs:categoryAxis>
+  <cs:chartArea mods="allowNoFillOverride allowNoLineOverride">
+    <cs:lnRef idx="0"/>
+    <cs:fillRef idx="0"/>
+    <cs:effectRef idx="0"/>
+    <cs:fontRef idx="minor">
+      <a:schemeClr val="tx1"/>
+    </cs:fontRef>
+    <cs:spPr>
+      <a:solidFill>
+        <a:schemeClr val="bg1"/>
+      </a:solidFill>
+      <a:ln w="9525" cap="flat" cmpd="sng" algn="ctr">
+        <a:solidFill>
+          <a:schemeClr val="tx1">
+            <a:lumMod val="15000"/>
+            <a:lumOff val="85000"/>
+          </a:schemeClr>
+        </a:solidFill>
+        <a:round/>
+      </a:ln>
+    </cs:spPr>
+    <cs:defRPr sz="900" kern="1200"/>
+  </cs:chartArea>
+  <cs:dataLabel>
+    <cs:lnRef idx="0"/>
+    <cs:fillRef idx="0"/>
+    <cs:effectRef idx="0"/>
+    <cs:fontRef idx="minor">
+      <a:schemeClr val="tx1">
+        <a:lumMod val="75000"/>
+        <a:lumOff val="25000"/>
+      </a:schemeClr>
+    </cs:fontRef>
+    <cs:defRPr sz="900" kern="1200"/>
+  </cs:dataLabel>
+  <cs:dataLabelCallout>
+    <cs:lnRef idx="0"/>
+    <cs:fillRef idx="0"/>
+    <cs:effectRef idx="0"/>
+    <cs:fontRef idx="minor">
+      <a:schemeClr val="dk1">
+        <a:lumMod val="65000"/>
+        <a:lumOff val="35000"/>
+      </a:schemeClr>
+    </cs:fontRef>
+    <cs:spPr>
+      <a:solidFill>
+        <a:schemeClr val="lt1"/>
+      </a:solidFill>
+      <a:ln>
+        <a:solidFill>
+          <a:schemeClr val="dk1">
+            <a:lumMod val="25000"/>
+            <a:lumOff val="75000"/>
+          </a:schemeClr>
+        </a:solidFill>
+      </a:ln>
+    </cs:spPr>
+    <cs:defRPr sz="900" kern="1200"/>
+    <cs:bodyPr rot="0" spcFirstLastPara="1" vertOverflow="clip" horzOverflow="clip" vert="horz" wrap="square" lIns="36576" tIns="18288" rIns="36576" bIns="18288" anchor="ctr" anchorCtr="1">
+      <a:spAutoFit/>
+    </cs:bodyPr>
+  </cs:dataLabelCallout>
+  <cs:dataPoint>
+    <cs:lnRef idx="0"/>
+    <cs:fillRef idx="1">
+      <cs:styleClr val="auto"/>
+    </cs:fillRef>
+    <cs:effectRef idx="0"/>
+    <cs:fontRef idx="minor">
+      <a:schemeClr val="tx1"/>
+    </cs:fontRef>
+    <cs:spPr>
+      <a:ln w="19050">
+        <a:solidFill>
+          <a:schemeClr val="lt1"/>
+        </a:solidFill>
+      </a:ln>
+    </cs:spPr>
+  </cs:dataPoint>
+  <cs:dataPoint3D>
+    <cs:lnRef idx="0"/>
+    <cs:fillRef idx="1">
+      <cs:styleClr val="auto"/>
+    </cs:fillRef>
+    <cs:effectRef idx="0"/>
+    <cs:fontRef idx="minor">
+      <a:schemeClr val="tx1"/>
+    </cs:fontRef>
+    <cs:spPr>
+      <a:ln w="25400">
+        <a:solidFill>
+          <a:schemeClr val="lt1"/>
+        </a:solidFill>
+      </a:ln>
+    </cs:spPr>
+  </cs:dataPoint3D>
+  <cs:dataPointLine>
+    <cs:lnRef idx="0">
+      <cs:styleClr val="auto"/>
+    </cs:lnRef>
+    <cs:fillRef idx="0"/>
+    <cs:effectRef idx="0"/>
+    <cs:fontRef idx="minor">
+      <a:schemeClr val="tx1"/>
+    </cs:fontRef>
+    <cs:spPr>
+      <a:ln w="28575" cap="rnd">
+        <a:solidFill>
+          <a:schemeClr val="phClr"/>
+        </a:solidFill>
+        <a:round/>
+      </a:ln>
+    </cs:spPr>
+  </cs:dataPointLine>
+  <cs:dataPointMarker>
+    <cs:lnRef idx="0">
+      <cs:styleClr val="auto"/>
+    </cs:lnRef>
+    <cs:fillRef idx="1">
+      <cs:styleClr val="auto"/>
+    </cs:fillRef>
+    <cs:effectRef idx="0"/>
+    <cs:fontRef idx="minor">
+      <a:schemeClr val="tx1"/>
+    </cs:fontRef>
+    <cs:spPr>
+      <a:ln w="9525">
+        <a:solidFill>
+          <a:schemeClr val="phClr"/>
+        </a:solidFill>
+      </a:ln>
+    </cs:spPr>
+  </cs:dataPointMarker>
+  <cs:dataPointMarkerLayout symbol="circle" size="5"/>
+  <cs:dataPointWireframe>
+    <cs:lnRef idx="0">
+      <cs:styleClr val="auto"/>
+    </cs:lnRef>
+    <cs:fillRef idx="0"/>
+    <cs:effectRef idx="0"/>
+    <cs:fontRef idx="minor">
+      <a:schemeClr val="tx1"/>
+    </cs:fontRef>
+    <cs:spPr>
+      <a:ln w="9525" cap="rnd">
+        <a:solidFill>
+          <a:schemeClr val="phClr"/>
+        </a:solidFill>
+        <a:round/>
+      </a:ln>
+    </cs:spPr>
+  </cs:dataPointWireframe>
+  <cs:dataTable>
+    <cs:lnRef idx="0"/>
+    <cs:fillRef idx="0"/>
+    <cs:effectRef idx="0"/>
+    <cs:fontRef idx="minor">
+      <a:schemeClr val="tx1">
+        <a:lumMod val="65000"/>
+        <a:lumOff val="35000"/>
+      </a:schemeClr>
+    </cs:fontRef>
+    <cs:spPr>
+      <a:noFill/>
+      <a:ln w="9525" cap="flat" cmpd="sng" algn="ctr">
+        <a:solidFill>
+          <a:schemeClr val="tx1">
+            <a:lumMod val="15000"/>
+            <a:lumOff val="85000"/>
+          </a:schemeClr>
+        </a:solidFill>
+        <a:round/>
+      </a:ln>
+    </cs:spPr>
+    <cs:defRPr sz="900" kern="1200"/>
+  </cs:dataTable>
+  <cs:downBar>
+    <cs:lnRef idx="0"/>
+    <cs:fillRef idx="0"/>
+    <cs:effectRef idx="0"/>
+    <cs:fontRef idx="minor">
+      <a:schemeClr val="tx1"/>
+    </cs:fontRef>
+    <cs:spPr>
+      <a:solidFill>
+        <a:schemeClr val="dk1">
+          <a:lumMod val="75000"/>
+          <a:lumOff val="25000"/>
+        </a:schemeClr>
+      </a:solidFill>
+      <a:ln w="9525" cap="flat" cmpd="sng" algn="ctr">
+        <a:solidFill>
+          <a:schemeClr val="tx1">
+            <a:lumMod val="65000"/>
+            <a:lumOff val="35000"/>
+          </a:schemeClr>
+        </a:solidFill>
+        <a:round/>
+      </a:ln>
+    </cs:spPr>
+  </cs:downBar>
+  <cs:dropLine>
+    <cs:lnRef idx="0"/>
+    <cs:fillRef idx="0"/>
+    <cs:effectRef idx="0"/>
+    <cs:fontRef idx="minor">
+      <a:schemeClr val="tx1"/>
+    </cs:fontRef>
+    <cs:spPr>
+      <a:ln w="9525" cap="flat" cmpd="sng" algn="ctr">
+        <a:solidFill>
+          <a:schemeClr val="tx1">
+            <a:lumMod val="35000"/>
+            <a:lumOff val="65000"/>
+          </a:schemeClr>
+        </a:solidFill>
+        <a:round/>
+      </a:ln>
+    </cs:spPr>
+  </cs:dropLine>
+  <cs:errorBar>
+    <cs:lnRef idx="0"/>
+    <cs:fillRef idx="0"/>
+    <cs:effectRef idx="0"/>
+    <cs:fontRef idx="minor">
+      <a:schemeClr val="tx1"/>
+    </cs:fontRef>
+    <cs:spPr>
+      <a:ln w="9525" cap="flat" cmpd="sng" algn="ctr">
+        <a:solidFill>
+          <a:schemeClr val="tx1">
+            <a:lumMod val="65000"/>
+            <a:lumOff val="35000"/>
+          </a:schemeClr>
+        </a:solidFill>
+        <a:round/>
+      </a:ln>
+    </cs:spPr>
+  </cs:errorBar>
+  <cs:floor>
+    <cs:lnRef idx="0"/>
+    <cs:fillRef idx="0"/>
+    <cs:effectRef idx="0"/>
+    <cs:fontRef idx="minor">
+      <a:schemeClr val="tx1"/>
+    </cs:fontRef>
+    <cs:spPr>
+      <a:noFill/>
+      <a:ln>
+        <a:noFill/>
+      </a:ln>
+    </cs:spPr>
+  </cs:floor>
+  <cs:gridlineMajor>
+    <cs:lnRef idx="0"/>
+    <cs:fillRef idx="0"/>
+    <cs:effectRef idx="0"/>
+    <cs:fontRef idx="minor">
+      <a:schemeClr val="tx1"/>
+    </cs:fontRef>
+    <cs:spPr>
+      <a:ln w="9525" cap="flat" cmpd="sng" algn="ctr">
+        <a:solidFill>
+          <a:schemeClr val="tx1">
+            <a:lumMod val="15000"/>
+            <a:lumOff val="85000"/>
+          </a:schemeClr>
+        </a:solidFill>
+        <a:round/>
+      </a:ln>
+    </cs:spPr>
+  </cs:gridlineMajor>
+  <cs:gridlineMinor>
+    <cs:lnRef idx="0"/>
+    <cs:fillRef idx="0"/>
+    <cs:effectRef idx="0"/>
+    <cs:fontRef idx="minor">
+      <a:schemeClr val="tx1"/>
+    </cs:fontRef>
+    <cs:spPr>
+      <a:ln w="9525" cap="flat" cmpd="sng" algn="ctr">
+        <a:solidFill>
+          <a:schemeClr val="tx1">
+            <a:lumMod val="5000"/>
+            <a:lumOff val="95000"/>
+          </a:schemeClr>
+        </a:solidFill>
+        <a:round/>
+      </a:ln>
+    </cs:spPr>
+  </cs:gridlineMinor>
+  <cs:hiLoLine>
+    <cs:lnRef idx="0"/>
+    <cs:fillRef idx="0"/>
+    <cs:effectRef idx="0"/>
+    <cs:fontRef idx="minor">
+      <a:schemeClr val="tx1"/>
+    </cs:fontRef>
+    <cs:spPr>
+      <a:ln w="9525" cap="flat" cmpd="sng" algn="ctr">
+        <a:solidFill>
+          <a:schemeClr val="tx1">
+            <a:lumMod val="50000"/>
+            <a:lumOff val="50000"/>
+          </a:schemeClr>
+        </a:solidFill>
+        <a:round/>
+      </a:ln>
+    </cs:spPr>
+  </cs:hiLoLine>
+  <cs:leaderLine>
+    <cs:lnRef idx="0"/>
+    <cs:fillRef idx="0"/>
+    <cs:effectRef idx="0"/>
+    <cs:fontRef idx="minor">
+      <a:schemeClr val="tx1"/>
+    </cs:fontRef>
+    <cs:spPr>
+      <a:ln w="9525" cap="flat" cmpd="sng" algn="ctr">
+        <a:solidFill>
+          <a:schemeClr val="tx1">
+            <a:lumMod val="35000"/>
+            <a:lumOff val="65000"/>
+          </a:schemeClr>
+        </a:solidFill>
+        <a:round/>
+      </a:ln>
+    </cs:spPr>
+  </cs:leaderLine>
+  <cs:legend>
+    <cs:lnRef idx="0"/>
+    <cs:fillRef idx="0"/>
+    <cs:effectRef idx="0"/>
+    <cs:fontRef idx="minor">
+      <a:schemeClr val="tx1">
+        <a:lumMod val="65000"/>
+        <a:lumOff val="35000"/>
+      </a:schemeClr>
+    </cs:fontRef>
+    <cs:defRPr sz="900" kern="1200"/>
+  </cs:legend>
+  <cs:plotArea mods="allowNoFillOverride allowNoLineOverride">
+    <cs:lnRef idx="0"/>
+    <cs:fillRef idx="0"/>
+    <cs:effectRef idx="0"/>
+    <cs:fontRef idx="minor">
+      <a:schemeClr val="tx1"/>
+    </cs:fontRef>
+  </cs:plotArea>
+  <cs:plotArea3D mods="allowNoFillOverride allowNoLineOverride">
+    <cs:lnRef idx="0"/>
+    <cs:fillRef idx="0"/>
+    <cs:effectRef idx="0"/>
+    <cs:fontRef idx="minor">
+      <a:schemeClr val="tx1"/>
+    </cs:fontRef>
+  </cs:plotArea3D>
+  <cs:seriesAxis>
+    <cs:lnRef idx="0"/>
+    <cs:fillRef idx="0"/>
+    <cs:effectRef idx="0"/>
+    <cs:fontRef idx="minor">
+      <a:schemeClr val="tx1">
+        <a:lumMod val="65000"/>
+        <a:lumOff val="35000"/>
+      </a:schemeClr>
+    </cs:fontRef>
+    <cs:defRPr sz="900" kern="1200"/>
+  </cs:seriesAxis>
+  <cs:seriesLine>
+    <cs:lnRef idx="0"/>
+    <cs:fillRef idx="0"/>
+    <cs:effectRef idx="0"/>
+    <cs:fontRef idx="minor">
+      <a:schemeClr val="tx1"/>
+    </cs:fontRef>
+    <cs:spPr>
+      <a:ln w="9525" cap="flat" cmpd="sng" algn="ctr">
+        <a:solidFill>
+          <a:schemeClr val="tx1">
+            <a:lumMod val="35000"/>
+            <a:lumOff val="65000"/>
+          </a:schemeClr>
+        </a:solidFill>
+        <a:round/>
+      </a:ln>
+    </cs:spPr>
+  </cs:seriesLine>
+  <cs:title>
+    <cs:lnRef idx="0"/>
+    <cs:fillRef idx="0"/>
+    <cs:effectRef idx="0"/>
+    <cs:fontRef idx="minor">
+      <a:schemeClr val="tx1">
+        <a:lumMod val="65000"/>
+        <a:lumOff val="35000"/>
+      </a:schemeClr>
+    </cs:fontRef>
+    <cs:defRPr sz="1400" b="0" kern="1200" spc="0" baseline="0"/>
+  </cs:title>
+  <cs:trendline>
+    <cs:lnRef idx="0">
+      <cs:styleClr val="auto"/>
+    </cs:lnRef>
+    <cs:fillRef idx="0"/>
+    <cs:effectRef idx="0"/>
+    <cs:fontRef idx="minor">
+      <a:schemeClr val="tx1"/>
+    </cs:fontRef>
+    <cs:spPr>
+      <a:ln w="19050" cap="rnd">
+        <a:solidFill>
+          <a:schemeClr val="phClr"/>
+        </a:solidFill>
+        <a:prstDash val="sysDot"/>
+      </a:ln>
+    </cs:spPr>
+  </cs:trendline>
+  <cs:trendlineLabel>
+    <cs:lnRef idx="0"/>
+    <cs:fillRef idx="0"/>
+    <cs:effectRef idx="0"/>
+    <cs:fontRef idx="minor">
+      <a:schemeClr val="tx1">
+        <a:lumMod val="65000"/>
+        <a:lumOff val="35000"/>
+      </a:schemeClr>
+    </cs:fontRef>
+    <cs:defRPr sz="900" kern="1200"/>
+  </cs:trendlineLabel>
+  <cs:upBar>
+    <cs:lnRef idx="0"/>
+    <cs:fillRef idx="0"/>
+    <cs:effectRef idx="0"/>
+    <cs:fontRef idx="minor">
+      <a:schemeClr val="tx1"/>
+    </cs:fontRef>
+    <cs:spPr>
+      <a:solidFill>
+        <a:schemeClr val="lt1"/>
+      </a:solidFill>
+      <a:ln w="9525" cap="flat" cmpd="sng" algn="ctr">
+        <a:solidFill>
+          <a:schemeClr val="tx1">
+            <a:lumMod val="65000"/>
+            <a:lumOff val="35000"/>
+          </a:schemeClr>
+        </a:solidFill>
+        <a:round/>
+      </a:ln>
+    </cs:spPr>
+  </cs:upBar>
+  <cs:valueAxis>
+    <cs:lnRef idx="0"/>
+    <cs:fillRef idx="0"/>
+    <cs:effectRef idx="0"/>
+    <cs:fontRef idx="minor">
+      <a:schemeClr val="tx1">
+        <a:lumMod val="65000"/>
+        <a:lumOff val="35000"/>
+      </a:schemeClr>
+    </cs:fontRef>
+    <cs:defRPr sz="900" kern="1200"/>
+  </cs:valueAxis>
+  <cs:wall>
+    <cs:lnRef idx="0"/>
+    <cs:fillRef idx="0"/>
+    <cs:effectRef idx="0"/>
+    <cs:fontRef idx="minor">
+      <a:schemeClr val="tx1"/>
+    </cs:fontRef>
+    <cs:spPr>
+      <a:noFill/>
+      <a:ln>
+        <a:noFill/>
+      </a:ln>
+    </cs:spPr>
+  </cs:wall>
+</cs:chartStyle>
 </file>
 
 <file path=ppt/notesMasters/notesMaster1.xml><?xml version="1.0" encoding="utf-8"?>
@@ -21018,12 +21848,352 @@
               <a:t>FIIT STU</a:t>
             </a:r>
           </a:p>
+          <a:p>
+            <a:pPr algn="ctr"/>
+            <a:r>
+              <a:rPr lang="sk-SK"/>
+              <a:t>MIP_B - 2020/2021</a:t>
+            </a:r>
+          </a:p>
+          <a:p>
+            <a:pPr algn="ctr"/>
+            <a:r>
+              <a:rPr lang="sk-SK"/>
+              <a:t>vedenie: Ing. Zuzana Špitálová</a:t>
+            </a:r>
+          </a:p>
         </p:txBody>
       </p:sp>
     </p:spTree>
     <p:extLst>
       <p:ext uri="{BB962C8B-B14F-4D97-AF65-F5344CB8AC3E}">
         <p14:creationId xmlns:p14="http://schemas.microsoft.com/office/powerpoint/2010/main" val="1252506349"/>
+      </p:ext>
+    </p:extLst>
+  </p:cSld>
+  <p:clrMapOvr>
+    <a:masterClrMapping/>
+  </p:clrMapOvr>
+</p:sld>
+</file>
+
+<file path=ppt/slides/slide10.xml><?xml version="1.0" encoding="utf-8"?>
+<p:sld xmlns:a="http://schemas.openxmlformats.org/drawingml/2006/main" xmlns:r="http://schemas.openxmlformats.org/officeDocument/2006/relationships" xmlns:p="http://schemas.openxmlformats.org/presentationml/2006/main">
+  <p:cSld>
+    <p:spTree>
+      <p:nvGrpSpPr>
+        <p:cNvPr id="1" name=""/>
+        <p:cNvGrpSpPr/>
+        <p:nvPr/>
+      </p:nvGrpSpPr>
+      <p:grpSpPr>
+        <a:xfrm>
+          <a:off x="0" y="0"/>
+          <a:ext cx="0" cy="0"/>
+          <a:chOff x="0" y="0"/>
+          <a:chExt cx="0" cy="0"/>
+        </a:xfrm>
+      </p:grpSpPr>
+      <p:sp>
+        <p:nvSpPr>
+          <p:cNvPr id="2" name="Nadpis 1">
+            <a:extLst>
+              <a:ext uri="{FF2B5EF4-FFF2-40B4-BE49-F238E27FC236}">
+                <a16:creationId xmlns:a16="http://schemas.microsoft.com/office/drawing/2014/main" id="{CFA112B1-E121-4584-BE86-E160549DA996}"/>
+              </a:ext>
+            </a:extLst>
+          </p:cNvPr>
+          <p:cNvSpPr>
+            <a:spLocks noGrp="1"/>
+          </p:cNvSpPr>
+          <p:nvPr>
+            <p:ph type="title"/>
+          </p:nvPr>
+        </p:nvSpPr>
+        <p:spPr/>
+        <p:txBody>
+          <a:bodyPr/>
+          <a:lstStyle/>
+          <a:p>
+            <a:r>
+              <a:rPr lang="sk-SK"/>
+              <a:t>Záver</a:t>
+            </a:r>
+          </a:p>
+        </p:txBody>
+      </p:sp>
+      <p:sp>
+        <p:nvSpPr>
+          <p:cNvPr id="3" name="Zástupný objekt pre obsah 2">
+            <a:extLst>
+              <a:ext uri="{FF2B5EF4-FFF2-40B4-BE49-F238E27FC236}">
+                <a16:creationId xmlns:a16="http://schemas.microsoft.com/office/drawing/2014/main" id="{A9D6F202-FFA4-4D54-B44E-5DB4542F22AC}"/>
+              </a:ext>
+            </a:extLst>
+          </p:cNvPr>
+          <p:cNvSpPr>
+            <a:spLocks noGrp="1"/>
+          </p:cNvSpPr>
+          <p:nvPr>
+            <p:ph idx="1"/>
+          </p:nvPr>
+        </p:nvSpPr>
+        <p:spPr/>
+        <p:txBody>
+          <a:bodyPr/>
+          <a:lstStyle/>
+          <a:p>
+            <a:pPr>
+              <a:buFont typeface="Wingdings" panose="05000000000000000000" pitchFamily="2" charset="2"/>
+              <a:buChar char="Ø"/>
+            </a:pPr>
+            <a:r>
+              <a:rPr lang="sk-SK"/>
+              <a:t> vplyv časového manažmentu na človeka</a:t>
+            </a:r>
+          </a:p>
+          <a:p>
+            <a:pPr>
+              <a:buFont typeface="Wingdings" panose="05000000000000000000" pitchFamily="2" charset="2"/>
+              <a:buChar char="Ø"/>
+            </a:pPr>
+            <a:r>
+              <a:rPr lang="sk-SK"/>
+              <a:t> potreba rozvíjať trh digitálnych nástrojov</a:t>
+            </a:r>
+          </a:p>
+          <a:p>
+            <a:pPr>
+              <a:buFont typeface="Wingdings" panose="05000000000000000000" pitchFamily="2" charset="2"/>
+              <a:buChar char="Ø"/>
+            </a:pPr>
+            <a:r>
+              <a:rPr lang="sk-SK"/>
+              <a:t> potreba edukovať ľudí o tejto problematike, hlavne študentov</a:t>
+            </a:r>
+          </a:p>
+        </p:txBody>
+      </p:sp>
+    </p:spTree>
+    <p:extLst>
+      <p:ext uri="{BB962C8B-B14F-4D97-AF65-F5344CB8AC3E}">
+        <p14:creationId xmlns:p14="http://schemas.microsoft.com/office/powerpoint/2010/main" val="4241122100"/>
+      </p:ext>
+    </p:extLst>
+  </p:cSld>
+  <p:clrMapOvr>
+    <a:masterClrMapping/>
+  </p:clrMapOvr>
+</p:sld>
+</file>
+
+<file path=ppt/slides/slide11.xml><?xml version="1.0" encoding="utf-8"?>
+<p:sld xmlns:a="http://schemas.openxmlformats.org/drawingml/2006/main" xmlns:r="http://schemas.openxmlformats.org/officeDocument/2006/relationships" xmlns:p="http://schemas.openxmlformats.org/presentationml/2006/main">
+  <p:cSld>
+    <p:spTree>
+      <p:nvGrpSpPr>
+        <p:cNvPr id="1" name=""/>
+        <p:cNvGrpSpPr/>
+        <p:nvPr/>
+      </p:nvGrpSpPr>
+      <p:grpSpPr>
+        <a:xfrm>
+          <a:off x="0" y="0"/>
+          <a:ext cx="0" cy="0"/>
+          <a:chOff x="0" y="0"/>
+          <a:chExt cx="0" cy="0"/>
+        </a:xfrm>
+      </p:grpSpPr>
+      <p:sp>
+        <p:nvSpPr>
+          <p:cNvPr id="2" name="Nadpis 1">
+            <a:extLst>
+              <a:ext uri="{FF2B5EF4-FFF2-40B4-BE49-F238E27FC236}">
+                <a16:creationId xmlns:a16="http://schemas.microsoft.com/office/drawing/2014/main" id="{24D5485E-BEEC-40A3-865B-1B02E6A5A4B1}"/>
+              </a:ext>
+            </a:extLst>
+          </p:cNvPr>
+          <p:cNvSpPr>
+            <a:spLocks noGrp="1"/>
+          </p:cNvSpPr>
+          <p:nvPr>
+            <p:ph type="title"/>
+          </p:nvPr>
+        </p:nvSpPr>
+        <p:spPr/>
+        <p:txBody>
+          <a:bodyPr/>
+          <a:lstStyle/>
+          <a:p>
+            <a:r>
+              <a:rPr lang="sk-SK"/>
+              <a:t>Literatúra</a:t>
+            </a:r>
+          </a:p>
+        </p:txBody>
+      </p:sp>
+      <p:sp>
+        <p:nvSpPr>
+          <p:cNvPr id="3" name="Zástupný objekt pre obsah 2">
+            <a:extLst>
+              <a:ext uri="{FF2B5EF4-FFF2-40B4-BE49-F238E27FC236}">
+                <a16:creationId xmlns:a16="http://schemas.microsoft.com/office/drawing/2014/main" id="{20912719-090B-483F-A4DC-39C765B0FB5E}"/>
+              </a:ext>
+            </a:extLst>
+          </p:cNvPr>
+          <p:cNvSpPr>
+            <a:spLocks noGrp="1"/>
+          </p:cNvSpPr>
+          <p:nvPr>
+            <p:ph idx="1"/>
+          </p:nvPr>
+        </p:nvSpPr>
+        <p:spPr/>
+        <p:txBody>
+          <a:bodyPr/>
+          <a:lstStyle/>
+          <a:p>
+            <a:pPr>
+              <a:buFont typeface="Wingdings" panose="05000000000000000000" pitchFamily="2" charset="2"/>
+              <a:buChar char="q"/>
+            </a:pPr>
+            <a:r>
+              <a:rPr lang="sk-SK"/>
+              <a:t> [1] </a:t>
+            </a:r>
+            <a:r>
+              <a:rPr lang="en-US"/>
+              <a:t>Helj</a:t>
+            </a:r>
+            <a:r>
+              <a:rPr lang="sk-SK"/>
+              <a:t>ä</a:t>
+            </a:r>
+            <a:r>
+              <a:rPr lang="en-US"/>
+              <a:t> Franssila. Work fragmentation, task management practices and productivity in individual knowledge work. In Engineering Psychology and Cognitive Ergonomics, pages 29–38. Springer International Publishing, 2019.</a:t>
+            </a:r>
+            <a:endParaRPr lang="sk-SK"/>
+          </a:p>
+          <a:p>
+            <a:pPr>
+              <a:buFont typeface="Wingdings" panose="05000000000000000000" pitchFamily="2" charset="2"/>
+              <a:buChar char="q"/>
+            </a:pPr>
+            <a:r>
+              <a:rPr lang="sk-SK"/>
+              <a:t> </a:t>
+            </a:r>
+            <a:r>
+              <a:rPr lang="en-US"/>
+              <a:t>[</a:t>
+            </a:r>
+            <a:r>
+              <a:rPr lang="sk-SK"/>
+              <a:t>2</a:t>
+            </a:r>
+            <a:r>
+              <a:rPr lang="en-US"/>
+              <a:t>] Mona Haraty, Joanna McGrenere, and Charlotte Tang. How personal task management differs across individuals. International Journal of HumanComputer Studies, 88:13–37, April 2016.</a:t>
+            </a:r>
+            <a:endParaRPr lang="sk-SK"/>
+          </a:p>
+        </p:txBody>
+      </p:sp>
+    </p:spTree>
+    <p:extLst>
+      <p:ext uri="{BB962C8B-B14F-4D97-AF65-F5344CB8AC3E}">
+        <p14:creationId xmlns:p14="http://schemas.microsoft.com/office/powerpoint/2010/main" val="2886965777"/>
+      </p:ext>
+    </p:extLst>
+  </p:cSld>
+  <p:clrMapOvr>
+    <a:masterClrMapping/>
+  </p:clrMapOvr>
+</p:sld>
+</file>
+
+<file path=ppt/slides/slide12.xml><?xml version="1.0" encoding="utf-8"?>
+<p:sld xmlns:a="http://schemas.openxmlformats.org/drawingml/2006/main" xmlns:r="http://schemas.openxmlformats.org/officeDocument/2006/relationships" xmlns:p="http://schemas.openxmlformats.org/presentationml/2006/main">
+  <p:cSld>
+    <p:spTree>
+      <p:nvGrpSpPr>
+        <p:cNvPr id="1" name=""/>
+        <p:cNvGrpSpPr/>
+        <p:nvPr/>
+      </p:nvGrpSpPr>
+      <p:grpSpPr>
+        <a:xfrm>
+          <a:off x="0" y="0"/>
+          <a:ext cx="0" cy="0"/>
+          <a:chOff x="0" y="0"/>
+          <a:chExt cx="0" cy="0"/>
+        </a:xfrm>
+      </p:grpSpPr>
+      <p:sp>
+        <p:nvSpPr>
+          <p:cNvPr id="2" name="Nadpis 1">
+            <a:extLst>
+              <a:ext uri="{FF2B5EF4-FFF2-40B4-BE49-F238E27FC236}">
+                <a16:creationId xmlns:a16="http://schemas.microsoft.com/office/drawing/2014/main" id="{DA68B3F2-328A-4195-B9B8-E655CC1E865A}"/>
+              </a:ext>
+            </a:extLst>
+          </p:cNvPr>
+          <p:cNvSpPr>
+            <a:spLocks noGrp="1"/>
+          </p:cNvSpPr>
+          <p:nvPr>
+            <p:ph type="title"/>
+          </p:nvPr>
+        </p:nvSpPr>
+        <p:spPr/>
+        <p:txBody>
+          <a:bodyPr/>
+          <a:lstStyle/>
+          <a:p>
+            <a:r>
+              <a:rPr lang="sk-SK"/>
+              <a:t>Diskusia</a:t>
+            </a:r>
+          </a:p>
+        </p:txBody>
+      </p:sp>
+      <p:sp>
+        <p:nvSpPr>
+          <p:cNvPr id="3" name="Zástupný objekt pre obsah 2">
+            <a:extLst>
+              <a:ext uri="{FF2B5EF4-FFF2-40B4-BE49-F238E27FC236}">
+                <a16:creationId xmlns:a16="http://schemas.microsoft.com/office/drawing/2014/main" id="{E60B6844-6394-49E7-9295-1F180417AB1A}"/>
+              </a:ext>
+            </a:extLst>
+          </p:cNvPr>
+          <p:cNvSpPr>
+            <a:spLocks noGrp="1"/>
+          </p:cNvSpPr>
+          <p:nvPr>
+            <p:ph idx="1"/>
+          </p:nvPr>
+        </p:nvSpPr>
+        <p:spPr/>
+        <p:txBody>
+          <a:bodyPr/>
+          <a:lstStyle/>
+          <a:p>
+            <a:pPr>
+              <a:buFont typeface="Wingdings" panose="05000000000000000000" pitchFamily="2" charset="2"/>
+              <a:buChar char="Ø"/>
+            </a:pPr>
+            <a:r>
+              <a:rPr lang="sk-SK"/>
+              <a:t> priestor na vaše otázky...</a:t>
+            </a:r>
+          </a:p>
+        </p:txBody>
+      </p:sp>
+    </p:spTree>
+    <p:extLst>
+      <p:ext uri="{BB962C8B-B14F-4D97-AF65-F5344CB8AC3E}">
+        <p14:creationId xmlns:p14="http://schemas.microsoft.com/office/powerpoint/2010/main" val="127485600"/>
       </p:ext>
     </p:extLst>
   </p:cSld>
@@ -21157,7 +22327,7 @@
             </a:pPr>
             <a:r>
               <a:rPr lang="sk-SK" sz="2400"/>
-              <a:t> príklady moderných nástrojov</a:t>
+              <a:t> príklady nástrojov</a:t>
             </a:r>
           </a:p>
           <a:p>
@@ -21564,7 +22734,7 @@
         </p:nvSpPr>
         <p:spPr>
           <a:xfrm>
-            <a:off x="1024128" y="4998128"/>
+            <a:off x="1024128" y="5282758"/>
             <a:ext cx="10484528" cy="646331"/>
           </a:xfrm>
           <a:prstGeom prst="rect">
@@ -21595,6 +22765,41 @@
             <a:r>
               <a:rPr lang="sk-SK"/>
               <a:t>v nástrojoch ich nájdeme spolu</a:t>
+            </a:r>
+          </a:p>
+        </p:txBody>
+      </p:sp>
+      <p:sp>
+        <p:nvSpPr>
+          <p:cNvPr id="14" name="BlokTextu 13">
+            <a:extLst>
+              <a:ext uri="{FF2B5EF4-FFF2-40B4-BE49-F238E27FC236}">
+                <a16:creationId xmlns:a16="http://schemas.microsoft.com/office/drawing/2014/main" id="{161A1B9E-DF7A-4D13-B9A5-70B1FB806EA0}"/>
+              </a:ext>
+            </a:extLst>
+          </p:cNvPr>
+          <p:cNvSpPr txBox="1"/>
+          <p:nvPr/>
+        </p:nvSpPr>
+        <p:spPr>
+          <a:xfrm>
+            <a:off x="4927107" y="4648957"/>
+            <a:ext cx="3639845" cy="307777"/>
+          </a:xfrm>
+          <a:prstGeom prst="rect">
+            <a:avLst/>
+          </a:prstGeom>
+          <a:noFill/>
+        </p:spPr>
+        <p:txBody>
+          <a:bodyPr wrap="square" rtlCol="0">
+            <a:spAutoFit/>
+          </a:bodyPr>
+          <a:lstStyle/>
+          <a:p>
+            <a:r>
+              <a:rPr lang="sk-SK" sz="1400"/>
+              <a:t>Diagram č.1 – základné pojmy</a:t>
             </a:r>
           </a:p>
         </p:txBody>
@@ -21772,7 +22977,7 @@
           <a:p>
             <a:r>
               <a:rPr lang="sk-SK"/>
-              <a:t>Nástroje</a:t>
+              <a:t>Nástroje na správu času a úloh</a:t>
             </a:r>
           </a:p>
         </p:txBody>
@@ -21893,7 +23098,7 @@
             </a:r>
             <a:r>
               <a:rPr lang="sk-SK"/>
-              <a:t>: využívajú dedikovaný nástroj – integrácia s inými nástrojmi</a:t>
+              <a:t>: využívajú dedikovaný nástroj</a:t>
             </a:r>
           </a:p>
           <a:p>
@@ -22009,7 +23214,1947 @@
           <a:bodyPr/>
           <a:lstStyle/>
           <a:p>
-            <a:endParaRPr lang="sk-SK"/>
+            <a:r>
+              <a:rPr lang="sk-SK"/>
+              <a:t>Príklady nástrojov </a:t>
+            </a:r>
+          </a:p>
+        </p:txBody>
+      </p:sp>
+      <p:sp>
+        <p:nvSpPr>
+          <p:cNvPr id="7" name="BlokTextu 6">
+            <a:extLst>
+              <a:ext uri="{FF2B5EF4-FFF2-40B4-BE49-F238E27FC236}">
+                <a16:creationId xmlns:a16="http://schemas.microsoft.com/office/drawing/2014/main" id="{F4B5E634-5A97-49CD-A626-451CA8E5934F}"/>
+              </a:ext>
+            </a:extLst>
+          </p:cNvPr>
+          <p:cNvSpPr txBox="1"/>
+          <p:nvPr/>
+        </p:nvSpPr>
+        <p:spPr>
+          <a:xfrm>
+            <a:off x="6704717" y="5914888"/>
+            <a:ext cx="4311585" cy="261610"/>
+          </a:xfrm>
+          <a:prstGeom prst="rect">
+            <a:avLst/>
+          </a:prstGeom>
+          <a:noFill/>
+        </p:spPr>
+        <p:txBody>
+          <a:bodyPr wrap="square" rtlCol="0">
+            <a:spAutoFit/>
+          </a:bodyPr>
+          <a:lstStyle/>
+          <a:p>
+            <a:r>
+              <a:rPr lang="sk-SK" sz="1100"/>
+              <a:t>Tabuľka č. 1 – Nástroje využívané účastníkmi prieskumu (Haraty, 2016)</a:t>
+            </a:r>
+          </a:p>
+        </p:txBody>
+      </p:sp>
+      <p:sp>
+        <p:nvSpPr>
+          <p:cNvPr id="8" name="BlokTextu 7">
+            <a:extLst>
+              <a:ext uri="{FF2B5EF4-FFF2-40B4-BE49-F238E27FC236}">
+                <a16:creationId xmlns:a16="http://schemas.microsoft.com/office/drawing/2014/main" id="{7BA34E1A-2452-4709-8BBD-D8FD0E0E815B}"/>
+              </a:ext>
+            </a:extLst>
+          </p:cNvPr>
+          <p:cNvSpPr txBox="1"/>
+          <p:nvPr/>
+        </p:nvSpPr>
+        <p:spPr>
+          <a:xfrm>
+            <a:off x="1643253" y="6011174"/>
+            <a:ext cx="3844031" cy="261610"/>
+          </a:xfrm>
+          <a:prstGeom prst="rect">
+            <a:avLst/>
+          </a:prstGeom>
+          <a:noFill/>
+        </p:spPr>
+        <p:txBody>
+          <a:bodyPr wrap="square" rtlCol="0">
+            <a:spAutoFit/>
+          </a:bodyPr>
+          <a:lstStyle/>
+          <a:p>
+            <a:r>
+              <a:rPr lang="sk-SK" sz="1100"/>
+              <a:t>Diagram č. 2 – Kategórie účastníkov</a:t>
+            </a:r>
+          </a:p>
+        </p:txBody>
+      </p:sp>
+      <p:graphicFrame>
+        <p:nvGraphicFramePr>
+          <p:cNvPr id="9" name="Tabuľka 8">
+            <a:extLst>
+              <a:ext uri="{FF2B5EF4-FFF2-40B4-BE49-F238E27FC236}">
+                <a16:creationId xmlns:a16="http://schemas.microsoft.com/office/drawing/2014/main" id="{AC872BBB-712D-4397-84FE-D827B2841CC9}"/>
+              </a:ext>
+            </a:extLst>
+          </p:cNvPr>
+          <p:cNvGraphicFramePr>
+            <a:graphicFrameLocks noGrp="1"/>
+          </p:cNvGraphicFramePr>
+          <p:nvPr>
+            <p:extLst>
+              <p:ext uri="{D42A27DB-BD31-4B8C-83A1-F6EECF244321}">
+                <p14:modId xmlns:p14="http://schemas.microsoft.com/office/powerpoint/2010/main" val="2364552165"/>
+              </p:ext>
+            </p:extLst>
+          </p:nvPr>
+        </p:nvGraphicFramePr>
+        <p:xfrm>
+          <a:off x="6074912" y="1133872"/>
+          <a:ext cx="5408438" cy="4590255"/>
+        </p:xfrm>
+        <a:graphic>
+          <a:graphicData uri="http://schemas.openxmlformats.org/drawingml/2006/table">
+            <a:tbl>
+              <a:tblPr>
+                <a:tableStyleId>{5C22544A-7EE6-4342-B048-85BDC9FD1C3A}</a:tableStyleId>
+              </a:tblPr>
+              <a:tblGrid>
+                <a:gridCol w="797966">
+                  <a:extLst>
+                    <a:ext uri="{9D8B030D-6E8A-4147-A177-3AD203B41FA5}">
+                      <a16:colId xmlns:a16="http://schemas.microsoft.com/office/drawing/2014/main" val="2650103712"/>
+                    </a:ext>
+                  </a:extLst>
+                </a:gridCol>
+                <a:gridCol w="3812506">
+                  <a:extLst>
+                    <a:ext uri="{9D8B030D-6E8A-4147-A177-3AD203B41FA5}">
+                      <a16:colId xmlns:a16="http://schemas.microsoft.com/office/drawing/2014/main" val="312019784"/>
+                    </a:ext>
+                  </a:extLst>
+                </a:gridCol>
+                <a:gridCol w="797966">
+                  <a:extLst>
+                    <a:ext uri="{9D8B030D-6E8A-4147-A177-3AD203B41FA5}">
+                      <a16:colId xmlns:a16="http://schemas.microsoft.com/office/drawing/2014/main" val="1683451373"/>
+                    </a:ext>
+                  </a:extLst>
+                </a:gridCol>
+              </a:tblGrid>
+              <a:tr h="174901">
+                <a:tc>
+                  <a:txBody>
+                    <a:bodyPr/>
+                    <a:lstStyle/>
+                    <a:p>
+                      <a:pPr algn="l" fontAlgn="b"/>
+                      <a:r>
+                        <a:rPr lang="sk-SK" sz="1200" u="none" strike="noStrike">
+                          <a:effectLst/>
+                        </a:rPr>
+                        <a:t>č. účastníka</a:t>
+                      </a:r>
+                      <a:endParaRPr lang="sk-SK" sz="1200" b="1" i="0" u="none" strike="noStrike">
+                        <a:solidFill>
+                          <a:srgbClr val="000000"/>
+                        </a:solidFill>
+                        <a:effectLst/>
+                        <a:latin typeface="Calibri" panose="020F0502020204030204" pitchFamily="34" charset="0"/>
+                      </a:endParaRPr>
+                    </a:p>
+                  </a:txBody>
+                  <a:tcPr marL="8745" marR="8745" marT="8745" marB="0" anchor="b"/>
+                </a:tc>
+                <a:tc>
+                  <a:txBody>
+                    <a:bodyPr/>
+                    <a:lstStyle/>
+                    <a:p>
+                      <a:pPr algn="l" fontAlgn="b"/>
+                      <a:r>
+                        <a:rPr lang="sk-SK" sz="1200" u="none" strike="noStrike">
+                          <a:effectLst/>
+                        </a:rPr>
+                        <a:t>Nástroj</a:t>
+                      </a:r>
+                      <a:endParaRPr lang="sk-SK" sz="1200" b="1" i="0" u="none" strike="noStrike">
+                        <a:solidFill>
+                          <a:srgbClr val="000000"/>
+                        </a:solidFill>
+                        <a:effectLst/>
+                        <a:latin typeface="Calibri" panose="020F0502020204030204" pitchFamily="34" charset="0"/>
+                      </a:endParaRPr>
+                    </a:p>
+                  </a:txBody>
+                  <a:tcPr marL="8745" marR="8745" marT="8745" marB="0" anchor="b"/>
+                </a:tc>
+                <a:tc>
+                  <a:txBody>
+                    <a:bodyPr/>
+                    <a:lstStyle/>
+                    <a:p>
+                      <a:pPr algn="l" fontAlgn="b"/>
+                      <a:r>
+                        <a:rPr lang="sk-SK" sz="1200" u="none" strike="noStrike">
+                          <a:effectLst/>
+                        </a:rPr>
+                        <a:t>Kategória</a:t>
+                      </a:r>
+                      <a:endParaRPr lang="sk-SK" sz="1200" b="0" i="0" u="none" strike="noStrike">
+                        <a:solidFill>
+                          <a:srgbClr val="000000"/>
+                        </a:solidFill>
+                        <a:effectLst/>
+                        <a:latin typeface="Calibri" panose="020F0502020204030204" pitchFamily="34" charset="0"/>
+                      </a:endParaRPr>
+                    </a:p>
+                  </a:txBody>
+                  <a:tcPr marL="8745" marR="8745" marT="8745" marB="0" anchor="b"/>
+                </a:tc>
+                <a:extLst>
+                  <a:ext uri="{0D108BD9-81ED-4DB2-BD59-A6C34878D82A}">
+                    <a16:rowId xmlns:a16="http://schemas.microsoft.com/office/drawing/2014/main" val="3774634460"/>
+                  </a:ext>
+                </a:extLst>
+              </a:tr>
+              <a:tr h="174901">
+                <a:tc>
+                  <a:txBody>
+                    <a:bodyPr/>
+                    <a:lstStyle/>
+                    <a:p>
+                      <a:pPr algn="ctr" fontAlgn="ctr"/>
+                      <a:r>
+                        <a:rPr lang="sk-SK" sz="1200" u="none" strike="noStrike">
+                          <a:effectLst/>
+                        </a:rPr>
+                        <a:t>1</a:t>
+                      </a:r>
+                      <a:endParaRPr lang="sk-SK" sz="1200" b="0" i="0" u="none" strike="noStrike">
+                        <a:solidFill>
+                          <a:srgbClr val="000000"/>
+                        </a:solidFill>
+                        <a:effectLst/>
+                        <a:latin typeface="Calibri" panose="020F0502020204030204" pitchFamily="34" charset="0"/>
+                      </a:endParaRPr>
+                    </a:p>
+                  </a:txBody>
+                  <a:tcPr marL="8745" marR="8745" marT="8745" marB="0" anchor="ctr"/>
+                </a:tc>
+                <a:tc>
+                  <a:txBody>
+                    <a:bodyPr/>
+                    <a:lstStyle/>
+                    <a:p>
+                      <a:pPr algn="l" fontAlgn="ctr"/>
+                      <a:r>
+                        <a:rPr lang="sk-SK" sz="1200" u="none" strike="noStrike">
+                          <a:effectLst/>
+                        </a:rPr>
+                        <a:t>Papierový diár</a:t>
+                      </a:r>
+                      <a:endParaRPr lang="sk-SK" sz="1200" b="0" i="0" u="none" strike="noStrike">
+                        <a:solidFill>
+                          <a:srgbClr val="000000"/>
+                        </a:solidFill>
+                        <a:effectLst/>
+                        <a:latin typeface="Calibri" panose="020F0502020204030204" pitchFamily="34" charset="0"/>
+                      </a:endParaRPr>
+                    </a:p>
+                  </a:txBody>
+                  <a:tcPr marL="8745" marR="8745" marT="8745" marB="0" anchor="ctr"/>
+                </a:tc>
+                <a:tc>
+                  <a:txBody>
+                    <a:bodyPr/>
+                    <a:lstStyle/>
+                    <a:p>
+                      <a:pPr algn="l" fontAlgn="b"/>
+                      <a:r>
+                        <a:rPr lang="sk-SK" sz="1200" u="none" strike="noStrike">
+                          <a:effectLst/>
+                        </a:rPr>
+                        <a:t>DYIer</a:t>
+                      </a:r>
+                      <a:endParaRPr lang="sk-SK" sz="1200" b="0" i="0" u="none" strike="noStrike">
+                        <a:solidFill>
+                          <a:srgbClr val="000000"/>
+                        </a:solidFill>
+                        <a:effectLst/>
+                        <a:latin typeface="Calibri" panose="020F0502020204030204" pitchFamily="34" charset="0"/>
+                      </a:endParaRPr>
+                    </a:p>
+                  </a:txBody>
+                  <a:tcPr marL="8745" marR="8745" marT="8745" marB="0" anchor="b"/>
+                </a:tc>
+                <a:extLst>
+                  <a:ext uri="{0D108BD9-81ED-4DB2-BD59-A6C34878D82A}">
+                    <a16:rowId xmlns:a16="http://schemas.microsoft.com/office/drawing/2014/main" val="3876605721"/>
+                  </a:ext>
+                </a:extLst>
+              </a:tr>
+              <a:tr h="174901">
+                <a:tc>
+                  <a:txBody>
+                    <a:bodyPr/>
+                    <a:lstStyle/>
+                    <a:p>
+                      <a:pPr algn="ctr" fontAlgn="ctr"/>
+                      <a:r>
+                        <a:rPr lang="sk-SK" sz="1200" u="none" strike="noStrike">
+                          <a:effectLst/>
+                        </a:rPr>
+                        <a:t>2</a:t>
+                      </a:r>
+                      <a:endParaRPr lang="sk-SK" sz="1200" b="0" i="0" u="none" strike="noStrike">
+                        <a:solidFill>
+                          <a:srgbClr val="000000"/>
+                        </a:solidFill>
+                        <a:effectLst/>
+                        <a:latin typeface="Calibri" panose="020F0502020204030204" pitchFamily="34" charset="0"/>
+                      </a:endParaRPr>
+                    </a:p>
+                  </a:txBody>
+                  <a:tcPr marL="8745" marR="8745" marT="8745" marB="0" anchor="ctr"/>
+                </a:tc>
+                <a:tc>
+                  <a:txBody>
+                    <a:bodyPr/>
+                    <a:lstStyle/>
+                    <a:p>
+                      <a:pPr algn="l" fontAlgn="ctr"/>
+                      <a:r>
+                        <a:rPr lang="sk-SK" sz="1200" u="none" strike="noStrike">
+                          <a:effectLst/>
+                        </a:rPr>
+                        <a:t>Kúsky papiera, Notepad, email</a:t>
+                      </a:r>
+                      <a:endParaRPr lang="sk-SK" sz="1200" b="0" i="0" u="none" strike="noStrike">
+                        <a:solidFill>
+                          <a:srgbClr val="000000"/>
+                        </a:solidFill>
+                        <a:effectLst/>
+                        <a:latin typeface="Calibri" panose="020F0502020204030204" pitchFamily="34" charset="0"/>
+                      </a:endParaRPr>
+                    </a:p>
+                  </a:txBody>
+                  <a:tcPr marL="8745" marR="8745" marT="8745" marB="0" anchor="ctr"/>
+                </a:tc>
+                <a:tc>
+                  <a:txBody>
+                    <a:bodyPr/>
+                    <a:lstStyle/>
+                    <a:p>
+                      <a:pPr algn="l" fontAlgn="b"/>
+                      <a:r>
+                        <a:rPr lang="sk-SK" sz="1200" u="none" strike="noStrike">
+                          <a:effectLst/>
+                        </a:rPr>
+                        <a:t>DYIer</a:t>
+                      </a:r>
+                      <a:endParaRPr lang="sk-SK" sz="1200" b="0" i="0" u="none" strike="noStrike">
+                        <a:solidFill>
+                          <a:srgbClr val="000000"/>
+                        </a:solidFill>
+                        <a:effectLst/>
+                        <a:latin typeface="Calibri" panose="020F0502020204030204" pitchFamily="34" charset="0"/>
+                      </a:endParaRPr>
+                    </a:p>
+                  </a:txBody>
+                  <a:tcPr marL="8745" marR="8745" marT="8745" marB="0" anchor="b"/>
+                </a:tc>
+                <a:extLst>
+                  <a:ext uri="{0D108BD9-81ED-4DB2-BD59-A6C34878D82A}">
+                    <a16:rowId xmlns:a16="http://schemas.microsoft.com/office/drawing/2014/main" val="3662855800"/>
+                  </a:ext>
+                </a:extLst>
+              </a:tr>
+              <a:tr h="174901">
+                <a:tc>
+                  <a:txBody>
+                    <a:bodyPr/>
+                    <a:lstStyle/>
+                    <a:p>
+                      <a:pPr algn="ctr" fontAlgn="ctr"/>
+                      <a:r>
+                        <a:rPr lang="sk-SK" sz="1200" u="none" strike="noStrike">
+                          <a:effectLst/>
+                        </a:rPr>
+                        <a:t>3</a:t>
+                      </a:r>
+                      <a:endParaRPr lang="sk-SK" sz="1200" b="0" i="0" u="none" strike="noStrike">
+                        <a:solidFill>
+                          <a:srgbClr val="000000"/>
+                        </a:solidFill>
+                        <a:effectLst/>
+                        <a:latin typeface="Calibri" panose="020F0502020204030204" pitchFamily="34" charset="0"/>
+                      </a:endParaRPr>
+                    </a:p>
+                  </a:txBody>
+                  <a:tcPr marL="8745" marR="8745" marT="8745" marB="0" anchor="ctr"/>
+                </a:tc>
+                <a:tc>
+                  <a:txBody>
+                    <a:bodyPr/>
+                    <a:lstStyle/>
+                    <a:p>
+                      <a:pPr algn="l" fontAlgn="ctr"/>
+                      <a:r>
+                        <a:rPr lang="sk-SK" sz="1200" u="none" strike="noStrike">
+                          <a:effectLst/>
+                        </a:rPr>
+                        <a:t>Papier, email, alarm</a:t>
+                      </a:r>
+                      <a:endParaRPr lang="sk-SK" sz="1200" b="0" i="0" u="none" strike="noStrike">
+                        <a:solidFill>
+                          <a:srgbClr val="000000"/>
+                        </a:solidFill>
+                        <a:effectLst/>
+                        <a:latin typeface="Calibri" panose="020F0502020204030204" pitchFamily="34" charset="0"/>
+                      </a:endParaRPr>
+                    </a:p>
+                  </a:txBody>
+                  <a:tcPr marL="8745" marR="8745" marT="8745" marB="0" anchor="ctr"/>
+                </a:tc>
+                <a:tc>
+                  <a:txBody>
+                    <a:bodyPr/>
+                    <a:lstStyle/>
+                    <a:p>
+                      <a:pPr algn="l" fontAlgn="b"/>
+                      <a:r>
+                        <a:rPr lang="sk-SK" sz="1200" u="none" strike="noStrike">
+                          <a:effectLst/>
+                        </a:rPr>
+                        <a:t>DYIer</a:t>
+                      </a:r>
+                      <a:endParaRPr lang="sk-SK" sz="1200" b="0" i="0" u="none" strike="noStrike">
+                        <a:solidFill>
+                          <a:srgbClr val="000000"/>
+                        </a:solidFill>
+                        <a:effectLst/>
+                        <a:latin typeface="Calibri" panose="020F0502020204030204" pitchFamily="34" charset="0"/>
+                      </a:endParaRPr>
+                    </a:p>
+                  </a:txBody>
+                  <a:tcPr marL="8745" marR="8745" marT="8745" marB="0" anchor="b"/>
+                </a:tc>
+                <a:extLst>
+                  <a:ext uri="{0D108BD9-81ED-4DB2-BD59-A6C34878D82A}">
+                    <a16:rowId xmlns:a16="http://schemas.microsoft.com/office/drawing/2014/main" val="1241735465"/>
+                  </a:ext>
+                </a:extLst>
+              </a:tr>
+              <a:tr h="174901">
+                <a:tc>
+                  <a:txBody>
+                    <a:bodyPr/>
+                    <a:lstStyle/>
+                    <a:p>
+                      <a:pPr algn="ctr" fontAlgn="ctr"/>
+                      <a:r>
+                        <a:rPr lang="sk-SK" sz="1200" u="none" strike="noStrike">
+                          <a:effectLst/>
+                        </a:rPr>
+                        <a:t>4</a:t>
+                      </a:r>
+                      <a:endParaRPr lang="sk-SK" sz="1200" b="0" i="0" u="none" strike="noStrike">
+                        <a:solidFill>
+                          <a:srgbClr val="000000"/>
+                        </a:solidFill>
+                        <a:effectLst/>
+                        <a:latin typeface="Calibri" panose="020F0502020204030204" pitchFamily="34" charset="0"/>
+                      </a:endParaRPr>
+                    </a:p>
+                  </a:txBody>
+                  <a:tcPr marL="8745" marR="8745" marT="8745" marB="0" anchor="ctr"/>
+                </a:tc>
+                <a:tc>
+                  <a:txBody>
+                    <a:bodyPr/>
+                    <a:lstStyle/>
+                    <a:p>
+                      <a:pPr algn="l" fontAlgn="ctr"/>
+                      <a:r>
+                        <a:rPr lang="sk-SK" sz="1200" u="none" strike="noStrike">
+                          <a:effectLst/>
+                        </a:rPr>
+                        <a:t>Word dokument, Google Calendar, poznámkový zošit, alarm</a:t>
+                      </a:r>
+                      <a:endParaRPr lang="sk-SK" sz="1200" b="0" i="0" u="none" strike="noStrike">
+                        <a:solidFill>
+                          <a:srgbClr val="000000"/>
+                        </a:solidFill>
+                        <a:effectLst/>
+                        <a:latin typeface="Calibri" panose="020F0502020204030204" pitchFamily="34" charset="0"/>
+                      </a:endParaRPr>
+                    </a:p>
+                  </a:txBody>
+                  <a:tcPr marL="8745" marR="8745" marT="8745" marB="0" anchor="ctr"/>
+                </a:tc>
+                <a:tc>
+                  <a:txBody>
+                    <a:bodyPr/>
+                    <a:lstStyle/>
+                    <a:p>
+                      <a:pPr algn="l" fontAlgn="b"/>
+                      <a:r>
+                        <a:rPr lang="sk-SK" sz="1200" u="none" strike="noStrike">
+                          <a:effectLst/>
+                        </a:rPr>
+                        <a:t>DYIer</a:t>
+                      </a:r>
+                      <a:endParaRPr lang="sk-SK" sz="1200" b="0" i="0" u="none" strike="noStrike">
+                        <a:solidFill>
+                          <a:srgbClr val="000000"/>
+                        </a:solidFill>
+                        <a:effectLst/>
+                        <a:latin typeface="Calibri" panose="020F0502020204030204" pitchFamily="34" charset="0"/>
+                      </a:endParaRPr>
+                    </a:p>
+                  </a:txBody>
+                  <a:tcPr marL="8745" marR="8745" marT="8745" marB="0" anchor="b"/>
+                </a:tc>
+                <a:extLst>
+                  <a:ext uri="{0D108BD9-81ED-4DB2-BD59-A6C34878D82A}">
+                    <a16:rowId xmlns:a16="http://schemas.microsoft.com/office/drawing/2014/main" val="1200904127"/>
+                  </a:ext>
+                </a:extLst>
+              </a:tr>
+              <a:tr h="174901">
+                <a:tc>
+                  <a:txBody>
+                    <a:bodyPr/>
+                    <a:lstStyle/>
+                    <a:p>
+                      <a:pPr algn="ctr" fontAlgn="ctr"/>
+                      <a:r>
+                        <a:rPr lang="sk-SK" sz="1200" u="none" strike="noStrike">
+                          <a:effectLst/>
+                        </a:rPr>
+                        <a:t>5</a:t>
+                      </a:r>
+                      <a:endParaRPr lang="sk-SK" sz="1200" b="0" i="0" u="none" strike="noStrike">
+                        <a:solidFill>
+                          <a:srgbClr val="000000"/>
+                        </a:solidFill>
+                        <a:effectLst/>
+                        <a:latin typeface="Calibri" panose="020F0502020204030204" pitchFamily="34" charset="0"/>
+                      </a:endParaRPr>
+                    </a:p>
+                  </a:txBody>
+                  <a:tcPr marL="8745" marR="8745" marT="8745" marB="0" anchor="ctr"/>
+                </a:tc>
+                <a:tc>
+                  <a:txBody>
+                    <a:bodyPr/>
+                    <a:lstStyle/>
+                    <a:p>
+                      <a:pPr algn="l" fontAlgn="ctr"/>
+                      <a:r>
+                        <a:rPr lang="sk-SK" sz="1200" u="none" strike="noStrike">
+                          <a:effectLst/>
+                        </a:rPr>
+                        <a:t>OneNote, Outlook</a:t>
+                      </a:r>
+                      <a:endParaRPr lang="sk-SK" sz="1200" b="0" i="0" u="none" strike="noStrike">
+                        <a:solidFill>
+                          <a:srgbClr val="000000"/>
+                        </a:solidFill>
+                        <a:effectLst/>
+                        <a:latin typeface="Calibri" panose="020F0502020204030204" pitchFamily="34" charset="0"/>
+                      </a:endParaRPr>
+                    </a:p>
+                  </a:txBody>
+                  <a:tcPr marL="8745" marR="8745" marT="8745" marB="0" anchor="ctr"/>
+                </a:tc>
+                <a:tc>
+                  <a:txBody>
+                    <a:bodyPr/>
+                    <a:lstStyle/>
+                    <a:p>
+                      <a:pPr algn="l" fontAlgn="b"/>
+                      <a:r>
+                        <a:rPr lang="sk-SK" sz="1200" u="none" strike="noStrike">
+                          <a:effectLst/>
+                        </a:rPr>
+                        <a:t>DYIer</a:t>
+                      </a:r>
+                      <a:endParaRPr lang="sk-SK" sz="1200" b="0" i="0" u="none" strike="noStrike">
+                        <a:solidFill>
+                          <a:srgbClr val="000000"/>
+                        </a:solidFill>
+                        <a:effectLst/>
+                        <a:latin typeface="Calibri" panose="020F0502020204030204" pitchFamily="34" charset="0"/>
+                      </a:endParaRPr>
+                    </a:p>
+                  </a:txBody>
+                  <a:tcPr marL="8745" marR="8745" marT="8745" marB="0" anchor="b"/>
+                </a:tc>
+                <a:extLst>
+                  <a:ext uri="{0D108BD9-81ED-4DB2-BD59-A6C34878D82A}">
+                    <a16:rowId xmlns:a16="http://schemas.microsoft.com/office/drawing/2014/main" val="1393261617"/>
+                  </a:ext>
+                </a:extLst>
+              </a:tr>
+              <a:tr h="174901">
+                <a:tc>
+                  <a:txBody>
+                    <a:bodyPr/>
+                    <a:lstStyle/>
+                    <a:p>
+                      <a:pPr algn="ctr" fontAlgn="ctr"/>
+                      <a:r>
+                        <a:rPr lang="sk-SK" sz="1200" u="none" strike="noStrike">
+                          <a:effectLst/>
+                        </a:rPr>
+                        <a:t>6</a:t>
+                      </a:r>
+                      <a:endParaRPr lang="sk-SK" sz="1200" b="0" i="0" u="none" strike="noStrike">
+                        <a:solidFill>
+                          <a:srgbClr val="000000"/>
+                        </a:solidFill>
+                        <a:effectLst/>
+                        <a:latin typeface="Calibri" panose="020F0502020204030204" pitchFamily="34" charset="0"/>
+                      </a:endParaRPr>
+                    </a:p>
+                  </a:txBody>
+                  <a:tcPr marL="8745" marR="8745" marT="8745" marB="0" anchor="ctr"/>
+                </a:tc>
+                <a:tc>
+                  <a:txBody>
+                    <a:bodyPr/>
+                    <a:lstStyle/>
+                    <a:p>
+                      <a:pPr algn="l" fontAlgn="ctr"/>
+                      <a:r>
+                        <a:rPr lang="sk-SK" sz="1200" u="none" strike="noStrike">
+                          <a:effectLst/>
+                        </a:rPr>
+                        <a:t>Papier</a:t>
+                      </a:r>
+                      <a:endParaRPr lang="sk-SK" sz="1200" b="0" i="0" u="none" strike="noStrike">
+                        <a:solidFill>
+                          <a:srgbClr val="000000"/>
+                        </a:solidFill>
+                        <a:effectLst/>
+                        <a:latin typeface="Calibri" panose="020F0502020204030204" pitchFamily="34" charset="0"/>
+                      </a:endParaRPr>
+                    </a:p>
+                  </a:txBody>
+                  <a:tcPr marL="8745" marR="8745" marT="8745" marB="0" anchor="ctr"/>
+                </a:tc>
+                <a:tc>
+                  <a:txBody>
+                    <a:bodyPr/>
+                    <a:lstStyle/>
+                    <a:p>
+                      <a:pPr algn="l" fontAlgn="b"/>
+                      <a:r>
+                        <a:rPr lang="sk-SK" sz="1200" u="none" strike="noStrike">
+                          <a:effectLst/>
+                        </a:rPr>
+                        <a:t>DYIer</a:t>
+                      </a:r>
+                      <a:endParaRPr lang="sk-SK" sz="1200" b="0" i="0" u="none" strike="noStrike">
+                        <a:solidFill>
+                          <a:srgbClr val="000000"/>
+                        </a:solidFill>
+                        <a:effectLst/>
+                        <a:latin typeface="Calibri" panose="020F0502020204030204" pitchFamily="34" charset="0"/>
+                      </a:endParaRPr>
+                    </a:p>
+                  </a:txBody>
+                  <a:tcPr marL="8745" marR="8745" marT="8745" marB="0" anchor="b"/>
+                </a:tc>
+                <a:extLst>
+                  <a:ext uri="{0D108BD9-81ED-4DB2-BD59-A6C34878D82A}">
+                    <a16:rowId xmlns:a16="http://schemas.microsoft.com/office/drawing/2014/main" val="1412869057"/>
+                  </a:ext>
+                </a:extLst>
+              </a:tr>
+              <a:tr h="174901">
+                <a:tc>
+                  <a:txBody>
+                    <a:bodyPr/>
+                    <a:lstStyle/>
+                    <a:p>
+                      <a:pPr algn="ctr" fontAlgn="ctr"/>
+                      <a:r>
+                        <a:rPr lang="sk-SK" sz="1200" u="none" strike="noStrike">
+                          <a:effectLst/>
+                        </a:rPr>
+                        <a:t>7</a:t>
+                      </a:r>
+                      <a:endParaRPr lang="sk-SK" sz="1200" b="0" i="0" u="none" strike="noStrike">
+                        <a:solidFill>
+                          <a:srgbClr val="000000"/>
+                        </a:solidFill>
+                        <a:effectLst/>
+                        <a:latin typeface="Calibri" panose="020F0502020204030204" pitchFamily="34" charset="0"/>
+                      </a:endParaRPr>
+                    </a:p>
+                  </a:txBody>
+                  <a:tcPr marL="8745" marR="8745" marT="8745" marB="0" anchor="ctr"/>
+                </a:tc>
+                <a:tc>
+                  <a:txBody>
+                    <a:bodyPr/>
+                    <a:lstStyle/>
+                    <a:p>
+                      <a:pPr algn="l" fontAlgn="ctr"/>
+                      <a:r>
+                        <a:rPr lang="sk-SK" sz="1200" u="none" strike="noStrike">
+                          <a:effectLst/>
+                        </a:rPr>
+                        <a:t>Word dokument, Google Calendar</a:t>
+                      </a:r>
+                      <a:endParaRPr lang="sk-SK" sz="1200" b="0" i="0" u="none" strike="noStrike">
+                        <a:solidFill>
+                          <a:srgbClr val="000000"/>
+                        </a:solidFill>
+                        <a:effectLst/>
+                        <a:latin typeface="Calibri" panose="020F0502020204030204" pitchFamily="34" charset="0"/>
+                      </a:endParaRPr>
+                    </a:p>
+                  </a:txBody>
+                  <a:tcPr marL="8745" marR="8745" marT="8745" marB="0" anchor="ctr"/>
+                </a:tc>
+                <a:tc>
+                  <a:txBody>
+                    <a:bodyPr/>
+                    <a:lstStyle/>
+                    <a:p>
+                      <a:pPr algn="l" fontAlgn="b"/>
+                      <a:r>
+                        <a:rPr lang="sk-SK" sz="1200" u="none" strike="noStrike">
+                          <a:effectLst/>
+                        </a:rPr>
+                        <a:t>DYIer</a:t>
+                      </a:r>
+                      <a:endParaRPr lang="sk-SK" sz="1200" b="0" i="0" u="none" strike="noStrike">
+                        <a:solidFill>
+                          <a:srgbClr val="000000"/>
+                        </a:solidFill>
+                        <a:effectLst/>
+                        <a:latin typeface="Calibri" panose="020F0502020204030204" pitchFamily="34" charset="0"/>
+                      </a:endParaRPr>
+                    </a:p>
+                  </a:txBody>
+                  <a:tcPr marL="8745" marR="8745" marT="8745" marB="0" anchor="b"/>
+                </a:tc>
+                <a:extLst>
+                  <a:ext uri="{0D108BD9-81ED-4DB2-BD59-A6C34878D82A}">
+                    <a16:rowId xmlns:a16="http://schemas.microsoft.com/office/drawing/2014/main" val="32156021"/>
+                  </a:ext>
+                </a:extLst>
+              </a:tr>
+              <a:tr h="174901">
+                <a:tc>
+                  <a:txBody>
+                    <a:bodyPr/>
+                    <a:lstStyle/>
+                    <a:p>
+                      <a:pPr algn="ctr" fontAlgn="ctr"/>
+                      <a:r>
+                        <a:rPr lang="sk-SK" sz="1200" u="none" strike="noStrike">
+                          <a:effectLst/>
+                        </a:rPr>
+                        <a:t>8</a:t>
+                      </a:r>
+                      <a:endParaRPr lang="sk-SK" sz="1200" b="0" i="0" u="none" strike="noStrike">
+                        <a:solidFill>
+                          <a:srgbClr val="000000"/>
+                        </a:solidFill>
+                        <a:effectLst/>
+                        <a:latin typeface="Calibri" panose="020F0502020204030204" pitchFamily="34" charset="0"/>
+                      </a:endParaRPr>
+                    </a:p>
+                  </a:txBody>
+                  <a:tcPr marL="8745" marR="8745" marT="8745" marB="0" anchor="ctr"/>
+                </a:tc>
+                <a:tc>
+                  <a:txBody>
+                    <a:bodyPr/>
+                    <a:lstStyle/>
+                    <a:p>
+                      <a:pPr algn="l" fontAlgn="ctr"/>
+                      <a:r>
+                        <a:rPr lang="en-US" sz="1200" u="none" strike="noStrike">
+                          <a:effectLst/>
+                        </a:rPr>
+                        <a:t>Microsoft Excel, Word, Google Calendar/ Tasks, iPhone calendar</a:t>
+                      </a:r>
+                      <a:endParaRPr lang="en-US" sz="1200" b="0" i="0" u="none" strike="noStrike">
+                        <a:solidFill>
+                          <a:srgbClr val="000000"/>
+                        </a:solidFill>
+                        <a:effectLst/>
+                        <a:latin typeface="Calibri" panose="020F0502020204030204" pitchFamily="34" charset="0"/>
+                      </a:endParaRPr>
+                    </a:p>
+                  </a:txBody>
+                  <a:tcPr marL="8745" marR="8745" marT="8745" marB="0" anchor="ctr"/>
+                </a:tc>
+                <a:tc>
+                  <a:txBody>
+                    <a:bodyPr/>
+                    <a:lstStyle/>
+                    <a:p>
+                      <a:pPr algn="l" fontAlgn="b"/>
+                      <a:r>
+                        <a:rPr lang="sk-SK" sz="1200" u="none" strike="noStrike">
+                          <a:effectLst/>
+                        </a:rPr>
+                        <a:t>DYIer</a:t>
+                      </a:r>
+                      <a:endParaRPr lang="sk-SK" sz="1200" b="0" i="0" u="none" strike="noStrike">
+                        <a:solidFill>
+                          <a:srgbClr val="000000"/>
+                        </a:solidFill>
+                        <a:effectLst/>
+                        <a:latin typeface="Calibri" panose="020F0502020204030204" pitchFamily="34" charset="0"/>
+                      </a:endParaRPr>
+                    </a:p>
+                  </a:txBody>
+                  <a:tcPr marL="8745" marR="8745" marT="8745" marB="0" anchor="b"/>
+                </a:tc>
+                <a:extLst>
+                  <a:ext uri="{0D108BD9-81ED-4DB2-BD59-A6C34878D82A}">
+                    <a16:rowId xmlns:a16="http://schemas.microsoft.com/office/drawing/2014/main" val="3836745389"/>
+                  </a:ext>
+                </a:extLst>
+              </a:tr>
+              <a:tr h="174901">
+                <a:tc>
+                  <a:txBody>
+                    <a:bodyPr/>
+                    <a:lstStyle/>
+                    <a:p>
+                      <a:pPr algn="ctr" fontAlgn="ctr"/>
+                      <a:r>
+                        <a:rPr lang="sk-SK" sz="1200" u="none" strike="noStrike">
+                          <a:effectLst/>
+                        </a:rPr>
+                        <a:t>9</a:t>
+                      </a:r>
+                      <a:endParaRPr lang="sk-SK" sz="1200" b="0" i="0" u="none" strike="noStrike">
+                        <a:solidFill>
+                          <a:srgbClr val="000000"/>
+                        </a:solidFill>
+                        <a:effectLst/>
+                        <a:latin typeface="Calibri" panose="020F0502020204030204" pitchFamily="34" charset="0"/>
+                      </a:endParaRPr>
+                    </a:p>
+                  </a:txBody>
+                  <a:tcPr marL="8745" marR="8745" marT="8745" marB="0" anchor="ctr"/>
+                </a:tc>
+                <a:tc>
+                  <a:txBody>
+                    <a:bodyPr/>
+                    <a:lstStyle/>
+                    <a:p>
+                      <a:pPr algn="l" fontAlgn="ctr"/>
+                      <a:r>
+                        <a:rPr lang="sk-SK" sz="1200" u="none" strike="noStrike">
+                          <a:effectLst/>
+                        </a:rPr>
+                        <a:t>Papier, kalendáry</a:t>
+                      </a:r>
+                      <a:endParaRPr lang="sk-SK" sz="1200" b="0" i="0" u="none" strike="noStrike">
+                        <a:solidFill>
+                          <a:srgbClr val="000000"/>
+                        </a:solidFill>
+                        <a:effectLst/>
+                        <a:latin typeface="Calibri" panose="020F0502020204030204" pitchFamily="34" charset="0"/>
+                      </a:endParaRPr>
+                    </a:p>
+                  </a:txBody>
+                  <a:tcPr marL="8745" marR="8745" marT="8745" marB="0" anchor="ctr"/>
+                </a:tc>
+                <a:tc>
+                  <a:txBody>
+                    <a:bodyPr/>
+                    <a:lstStyle/>
+                    <a:p>
+                      <a:pPr algn="l" fontAlgn="b"/>
+                      <a:r>
+                        <a:rPr lang="sk-SK" sz="1200" u="none" strike="noStrike">
+                          <a:effectLst/>
+                        </a:rPr>
+                        <a:t>DYIer</a:t>
+                      </a:r>
+                      <a:endParaRPr lang="sk-SK" sz="1200" b="0" i="0" u="none" strike="noStrike">
+                        <a:solidFill>
+                          <a:srgbClr val="000000"/>
+                        </a:solidFill>
+                        <a:effectLst/>
+                        <a:latin typeface="Calibri" panose="020F0502020204030204" pitchFamily="34" charset="0"/>
+                      </a:endParaRPr>
+                    </a:p>
+                  </a:txBody>
+                  <a:tcPr marL="8745" marR="8745" marT="8745" marB="0" anchor="b"/>
+                </a:tc>
+                <a:extLst>
+                  <a:ext uri="{0D108BD9-81ED-4DB2-BD59-A6C34878D82A}">
+                    <a16:rowId xmlns:a16="http://schemas.microsoft.com/office/drawing/2014/main" val="3634986609"/>
+                  </a:ext>
+                </a:extLst>
+              </a:tr>
+              <a:tr h="174901">
+                <a:tc>
+                  <a:txBody>
+                    <a:bodyPr/>
+                    <a:lstStyle/>
+                    <a:p>
+                      <a:pPr algn="ctr" fontAlgn="ctr"/>
+                      <a:r>
+                        <a:rPr lang="sk-SK" sz="1200" u="none" strike="noStrike">
+                          <a:effectLst/>
+                        </a:rPr>
+                        <a:t>10</a:t>
+                      </a:r>
+                      <a:endParaRPr lang="sk-SK" sz="1200" b="0" i="0" u="none" strike="noStrike">
+                        <a:solidFill>
+                          <a:srgbClr val="000000"/>
+                        </a:solidFill>
+                        <a:effectLst/>
+                        <a:latin typeface="Calibri" panose="020F0502020204030204" pitchFamily="34" charset="0"/>
+                      </a:endParaRPr>
+                    </a:p>
+                  </a:txBody>
+                  <a:tcPr marL="8745" marR="8745" marT="8745" marB="0" anchor="ctr"/>
+                </a:tc>
+                <a:tc>
+                  <a:txBody>
+                    <a:bodyPr/>
+                    <a:lstStyle/>
+                    <a:p>
+                      <a:pPr algn="l" fontAlgn="ctr"/>
+                      <a:r>
+                        <a:rPr lang="sk-SK" sz="1200" u="none" strike="noStrike">
+                          <a:effectLst/>
+                        </a:rPr>
+                        <a:t>Wiki, poznámkový zošit, sticky notes</a:t>
+                      </a:r>
+                      <a:endParaRPr lang="sk-SK" sz="1200" b="0" i="0" u="none" strike="noStrike">
+                        <a:solidFill>
+                          <a:srgbClr val="000000"/>
+                        </a:solidFill>
+                        <a:effectLst/>
+                        <a:latin typeface="Calibri" panose="020F0502020204030204" pitchFamily="34" charset="0"/>
+                      </a:endParaRPr>
+                    </a:p>
+                  </a:txBody>
+                  <a:tcPr marL="8745" marR="8745" marT="8745" marB="0" anchor="ctr"/>
+                </a:tc>
+                <a:tc>
+                  <a:txBody>
+                    <a:bodyPr/>
+                    <a:lstStyle/>
+                    <a:p>
+                      <a:pPr algn="l" fontAlgn="b"/>
+                      <a:r>
+                        <a:rPr lang="sk-SK" sz="1200" u="none" strike="noStrike">
+                          <a:effectLst/>
+                        </a:rPr>
+                        <a:t>DYIer</a:t>
+                      </a:r>
+                      <a:endParaRPr lang="sk-SK" sz="1200" b="0" i="0" u="none" strike="noStrike">
+                        <a:solidFill>
+                          <a:srgbClr val="000000"/>
+                        </a:solidFill>
+                        <a:effectLst/>
+                        <a:latin typeface="Calibri" panose="020F0502020204030204" pitchFamily="34" charset="0"/>
+                      </a:endParaRPr>
+                    </a:p>
+                  </a:txBody>
+                  <a:tcPr marL="8745" marR="8745" marT="8745" marB="0" anchor="b"/>
+                </a:tc>
+                <a:extLst>
+                  <a:ext uri="{0D108BD9-81ED-4DB2-BD59-A6C34878D82A}">
+                    <a16:rowId xmlns:a16="http://schemas.microsoft.com/office/drawing/2014/main" val="4203342424"/>
+                  </a:ext>
+                </a:extLst>
+              </a:tr>
+              <a:tr h="174901">
+                <a:tc>
+                  <a:txBody>
+                    <a:bodyPr/>
+                    <a:lstStyle/>
+                    <a:p>
+                      <a:pPr algn="ctr" fontAlgn="ctr"/>
+                      <a:r>
+                        <a:rPr lang="sk-SK" sz="1200" u="none" strike="noStrike">
+                          <a:effectLst/>
+                        </a:rPr>
+                        <a:t>11</a:t>
+                      </a:r>
+                      <a:endParaRPr lang="sk-SK" sz="1200" b="0" i="0" u="none" strike="noStrike">
+                        <a:solidFill>
+                          <a:srgbClr val="000000"/>
+                        </a:solidFill>
+                        <a:effectLst/>
+                        <a:latin typeface="Calibri" panose="020F0502020204030204" pitchFamily="34" charset="0"/>
+                      </a:endParaRPr>
+                    </a:p>
+                  </a:txBody>
+                  <a:tcPr marL="8745" marR="8745" marT="8745" marB="0" anchor="ctr"/>
+                </a:tc>
+                <a:tc>
+                  <a:txBody>
+                    <a:bodyPr/>
+                    <a:lstStyle/>
+                    <a:p>
+                      <a:pPr algn="l" fontAlgn="ctr"/>
+                      <a:r>
+                        <a:rPr lang="sk-SK" sz="1200" u="none" strike="noStrike">
+                          <a:effectLst/>
+                        </a:rPr>
+                        <a:t>Word dokument, papierový zošit</a:t>
+                      </a:r>
+                      <a:endParaRPr lang="sk-SK" sz="1200" b="0" i="0" u="none" strike="noStrike">
+                        <a:solidFill>
+                          <a:srgbClr val="000000"/>
+                        </a:solidFill>
+                        <a:effectLst/>
+                        <a:latin typeface="Calibri" panose="020F0502020204030204" pitchFamily="34" charset="0"/>
+                      </a:endParaRPr>
+                    </a:p>
+                  </a:txBody>
+                  <a:tcPr marL="8745" marR="8745" marT="8745" marB="0" anchor="ctr"/>
+                </a:tc>
+                <a:tc>
+                  <a:txBody>
+                    <a:bodyPr/>
+                    <a:lstStyle/>
+                    <a:p>
+                      <a:pPr algn="l" fontAlgn="b"/>
+                      <a:r>
+                        <a:rPr lang="sk-SK" sz="1200" u="none" strike="noStrike">
+                          <a:effectLst/>
+                        </a:rPr>
+                        <a:t>DYIer</a:t>
+                      </a:r>
+                      <a:endParaRPr lang="sk-SK" sz="1200" b="0" i="0" u="none" strike="noStrike">
+                        <a:solidFill>
+                          <a:srgbClr val="000000"/>
+                        </a:solidFill>
+                        <a:effectLst/>
+                        <a:latin typeface="Calibri" panose="020F0502020204030204" pitchFamily="34" charset="0"/>
+                      </a:endParaRPr>
+                    </a:p>
+                  </a:txBody>
+                  <a:tcPr marL="8745" marR="8745" marT="8745" marB="0" anchor="b"/>
+                </a:tc>
+                <a:extLst>
+                  <a:ext uri="{0D108BD9-81ED-4DB2-BD59-A6C34878D82A}">
+                    <a16:rowId xmlns:a16="http://schemas.microsoft.com/office/drawing/2014/main" val="706940498"/>
+                  </a:ext>
+                </a:extLst>
+              </a:tr>
+              <a:tr h="174901">
+                <a:tc>
+                  <a:txBody>
+                    <a:bodyPr/>
+                    <a:lstStyle/>
+                    <a:p>
+                      <a:pPr algn="ctr" fontAlgn="ctr"/>
+                      <a:r>
+                        <a:rPr lang="sk-SK" sz="1200" u="none" strike="noStrike">
+                          <a:effectLst/>
+                        </a:rPr>
+                        <a:t>12</a:t>
+                      </a:r>
+                      <a:endParaRPr lang="sk-SK" sz="1200" b="0" i="0" u="none" strike="noStrike">
+                        <a:solidFill>
+                          <a:srgbClr val="000000"/>
+                        </a:solidFill>
+                        <a:effectLst/>
+                        <a:latin typeface="Calibri" panose="020F0502020204030204" pitchFamily="34" charset="0"/>
+                      </a:endParaRPr>
+                    </a:p>
+                  </a:txBody>
+                  <a:tcPr marL="8745" marR="8745" marT="8745" marB="0" anchor="ctr"/>
+                </a:tc>
+                <a:tc>
+                  <a:txBody>
+                    <a:bodyPr/>
+                    <a:lstStyle/>
+                    <a:p>
+                      <a:pPr algn="l" fontAlgn="ctr"/>
+                      <a:r>
+                        <a:rPr lang="sk-SK" sz="1200" u="none" strike="noStrike">
+                          <a:effectLst/>
+                        </a:rPr>
+                        <a:t>AbstractSpoon, Email(Gmail), Google Calendar</a:t>
+                      </a:r>
+                      <a:endParaRPr lang="sk-SK" sz="1200" b="0" i="0" u="none" strike="noStrike">
+                        <a:solidFill>
+                          <a:srgbClr val="000000"/>
+                        </a:solidFill>
+                        <a:effectLst/>
+                        <a:latin typeface="Calibri" panose="020F0502020204030204" pitchFamily="34" charset="0"/>
+                      </a:endParaRPr>
+                    </a:p>
+                  </a:txBody>
+                  <a:tcPr marL="8745" marR="8745" marT="8745" marB="0" anchor="ctr"/>
+                </a:tc>
+                <a:tc>
+                  <a:txBody>
+                    <a:bodyPr/>
+                    <a:lstStyle/>
+                    <a:p>
+                      <a:pPr algn="l" fontAlgn="b"/>
+                      <a:r>
+                        <a:rPr lang="sk-SK" sz="1200" u="none" strike="noStrike">
+                          <a:effectLst/>
+                        </a:rPr>
+                        <a:t>Adopter</a:t>
+                      </a:r>
+                      <a:endParaRPr lang="sk-SK" sz="1200" b="0" i="0" u="none" strike="noStrike">
+                        <a:solidFill>
+                          <a:srgbClr val="000000"/>
+                        </a:solidFill>
+                        <a:effectLst/>
+                        <a:latin typeface="Calibri" panose="020F0502020204030204" pitchFamily="34" charset="0"/>
+                      </a:endParaRPr>
+                    </a:p>
+                  </a:txBody>
+                  <a:tcPr marL="8745" marR="8745" marT="8745" marB="0" anchor="b"/>
+                </a:tc>
+                <a:extLst>
+                  <a:ext uri="{0D108BD9-81ED-4DB2-BD59-A6C34878D82A}">
+                    <a16:rowId xmlns:a16="http://schemas.microsoft.com/office/drawing/2014/main" val="227131231"/>
+                  </a:ext>
+                </a:extLst>
+              </a:tr>
+              <a:tr h="174901">
+                <a:tc>
+                  <a:txBody>
+                    <a:bodyPr/>
+                    <a:lstStyle/>
+                    <a:p>
+                      <a:pPr algn="ctr" fontAlgn="ctr"/>
+                      <a:r>
+                        <a:rPr lang="sk-SK" sz="1200" u="none" strike="noStrike">
+                          <a:effectLst/>
+                        </a:rPr>
+                        <a:t>13</a:t>
+                      </a:r>
+                      <a:endParaRPr lang="sk-SK" sz="1200" b="0" i="0" u="none" strike="noStrike">
+                        <a:solidFill>
+                          <a:srgbClr val="000000"/>
+                        </a:solidFill>
+                        <a:effectLst/>
+                        <a:latin typeface="Calibri" panose="020F0502020204030204" pitchFamily="34" charset="0"/>
+                      </a:endParaRPr>
+                    </a:p>
+                  </a:txBody>
+                  <a:tcPr marL="8745" marR="8745" marT="8745" marB="0" anchor="ctr"/>
+                </a:tc>
+                <a:tc>
+                  <a:txBody>
+                    <a:bodyPr/>
+                    <a:lstStyle/>
+                    <a:p>
+                      <a:pPr algn="l" fontAlgn="ctr"/>
+                      <a:r>
+                        <a:rPr lang="sk-SK" sz="1200" u="none" strike="noStrike">
+                          <a:effectLst/>
+                        </a:rPr>
+                        <a:t>Things, Google Calendar</a:t>
+                      </a:r>
+                      <a:endParaRPr lang="sk-SK" sz="1200" b="0" i="0" u="none" strike="noStrike">
+                        <a:solidFill>
+                          <a:srgbClr val="000000"/>
+                        </a:solidFill>
+                        <a:effectLst/>
+                        <a:latin typeface="Calibri" panose="020F0502020204030204" pitchFamily="34" charset="0"/>
+                      </a:endParaRPr>
+                    </a:p>
+                  </a:txBody>
+                  <a:tcPr marL="8745" marR="8745" marT="8745" marB="0" anchor="ctr"/>
+                </a:tc>
+                <a:tc>
+                  <a:txBody>
+                    <a:bodyPr/>
+                    <a:lstStyle/>
+                    <a:p>
+                      <a:pPr algn="l" fontAlgn="b"/>
+                      <a:r>
+                        <a:rPr lang="sk-SK" sz="1200" u="none" strike="noStrike">
+                          <a:effectLst/>
+                        </a:rPr>
+                        <a:t>Adopter</a:t>
+                      </a:r>
+                      <a:endParaRPr lang="sk-SK" sz="1200" b="0" i="0" u="none" strike="noStrike">
+                        <a:solidFill>
+                          <a:srgbClr val="000000"/>
+                        </a:solidFill>
+                        <a:effectLst/>
+                        <a:latin typeface="Calibri" panose="020F0502020204030204" pitchFamily="34" charset="0"/>
+                      </a:endParaRPr>
+                    </a:p>
+                  </a:txBody>
+                  <a:tcPr marL="8745" marR="8745" marT="8745" marB="0" anchor="b"/>
+                </a:tc>
+                <a:extLst>
+                  <a:ext uri="{0D108BD9-81ED-4DB2-BD59-A6C34878D82A}">
+                    <a16:rowId xmlns:a16="http://schemas.microsoft.com/office/drawing/2014/main" val="2850997596"/>
+                  </a:ext>
+                </a:extLst>
+              </a:tr>
+              <a:tr h="174901">
+                <a:tc>
+                  <a:txBody>
+                    <a:bodyPr/>
+                    <a:lstStyle/>
+                    <a:p>
+                      <a:pPr algn="ctr" fontAlgn="ctr"/>
+                      <a:r>
+                        <a:rPr lang="sk-SK" sz="1200" u="none" strike="noStrike">
+                          <a:effectLst/>
+                        </a:rPr>
+                        <a:t>14</a:t>
+                      </a:r>
+                      <a:endParaRPr lang="sk-SK" sz="1200" b="0" i="0" u="none" strike="noStrike">
+                        <a:solidFill>
+                          <a:srgbClr val="000000"/>
+                        </a:solidFill>
+                        <a:effectLst/>
+                        <a:latin typeface="Calibri" panose="020F0502020204030204" pitchFamily="34" charset="0"/>
+                      </a:endParaRPr>
+                    </a:p>
+                  </a:txBody>
+                  <a:tcPr marL="8745" marR="8745" marT="8745" marB="0" anchor="ctr"/>
+                </a:tc>
+                <a:tc>
+                  <a:txBody>
+                    <a:bodyPr/>
+                    <a:lstStyle/>
+                    <a:p>
+                      <a:pPr algn="l" fontAlgn="b"/>
+                      <a:r>
+                        <a:rPr lang="en-US" sz="1200" u="none" strike="noStrike">
+                          <a:effectLst/>
+                        </a:rPr>
+                        <a:t>Google Tasks, Email, Google Calendar, Whiteboard, wiki</a:t>
+                      </a:r>
+                      <a:endParaRPr lang="en-US" sz="1200" b="0" i="0" u="none" strike="noStrike">
+                        <a:solidFill>
+                          <a:srgbClr val="000000"/>
+                        </a:solidFill>
+                        <a:effectLst/>
+                        <a:latin typeface="Calibri" panose="020F0502020204030204" pitchFamily="34" charset="0"/>
+                      </a:endParaRPr>
+                    </a:p>
+                  </a:txBody>
+                  <a:tcPr marL="8745" marR="8745" marT="8745" marB="0" anchor="b"/>
+                </a:tc>
+                <a:tc>
+                  <a:txBody>
+                    <a:bodyPr/>
+                    <a:lstStyle/>
+                    <a:p>
+                      <a:pPr algn="l" fontAlgn="b"/>
+                      <a:r>
+                        <a:rPr lang="sk-SK" sz="1200" u="none" strike="noStrike">
+                          <a:effectLst/>
+                        </a:rPr>
+                        <a:t>Adopter</a:t>
+                      </a:r>
+                      <a:endParaRPr lang="sk-SK" sz="1200" b="0" i="0" u="none" strike="noStrike">
+                        <a:solidFill>
+                          <a:srgbClr val="000000"/>
+                        </a:solidFill>
+                        <a:effectLst/>
+                        <a:latin typeface="Calibri" panose="020F0502020204030204" pitchFamily="34" charset="0"/>
+                      </a:endParaRPr>
+                    </a:p>
+                  </a:txBody>
+                  <a:tcPr marL="8745" marR="8745" marT="8745" marB="0" anchor="b"/>
+                </a:tc>
+                <a:extLst>
+                  <a:ext uri="{0D108BD9-81ED-4DB2-BD59-A6C34878D82A}">
+                    <a16:rowId xmlns:a16="http://schemas.microsoft.com/office/drawing/2014/main" val="1072514316"/>
+                  </a:ext>
+                </a:extLst>
+              </a:tr>
+              <a:tr h="174901">
+                <a:tc>
+                  <a:txBody>
+                    <a:bodyPr/>
+                    <a:lstStyle/>
+                    <a:p>
+                      <a:pPr algn="ctr" fontAlgn="ctr"/>
+                      <a:r>
+                        <a:rPr lang="sk-SK" sz="1200" u="none" strike="noStrike">
+                          <a:effectLst/>
+                        </a:rPr>
+                        <a:t>15</a:t>
+                      </a:r>
+                      <a:endParaRPr lang="sk-SK" sz="1200" b="0" i="0" u="none" strike="noStrike">
+                        <a:solidFill>
+                          <a:srgbClr val="000000"/>
+                        </a:solidFill>
+                        <a:effectLst/>
+                        <a:latin typeface="Calibri" panose="020F0502020204030204" pitchFamily="34" charset="0"/>
+                      </a:endParaRPr>
+                    </a:p>
+                  </a:txBody>
+                  <a:tcPr marL="8745" marR="8745" marT="8745" marB="0" anchor="ctr"/>
+                </a:tc>
+                <a:tc>
+                  <a:txBody>
+                    <a:bodyPr/>
+                    <a:lstStyle/>
+                    <a:p>
+                      <a:pPr algn="l" fontAlgn="b"/>
+                      <a:r>
+                        <a:rPr lang="sk-SK" sz="1200" u="none" strike="noStrike">
+                          <a:effectLst/>
+                        </a:rPr>
+                        <a:t>OmniFocus, kolaboratívny email</a:t>
+                      </a:r>
+                      <a:endParaRPr lang="sk-SK" sz="1200" b="0" i="0" u="none" strike="noStrike">
+                        <a:solidFill>
+                          <a:srgbClr val="000000"/>
+                        </a:solidFill>
+                        <a:effectLst/>
+                        <a:latin typeface="Calibri" panose="020F0502020204030204" pitchFamily="34" charset="0"/>
+                      </a:endParaRPr>
+                    </a:p>
+                  </a:txBody>
+                  <a:tcPr marL="8745" marR="8745" marT="8745" marB="0" anchor="b"/>
+                </a:tc>
+                <a:tc>
+                  <a:txBody>
+                    <a:bodyPr/>
+                    <a:lstStyle/>
+                    <a:p>
+                      <a:pPr algn="l" fontAlgn="b"/>
+                      <a:r>
+                        <a:rPr lang="sk-SK" sz="1200" u="none" strike="noStrike">
+                          <a:effectLst/>
+                        </a:rPr>
+                        <a:t>Adopter</a:t>
+                      </a:r>
+                      <a:endParaRPr lang="sk-SK" sz="1200" b="0" i="0" u="none" strike="noStrike">
+                        <a:solidFill>
+                          <a:srgbClr val="000000"/>
+                        </a:solidFill>
+                        <a:effectLst/>
+                        <a:latin typeface="Calibri" panose="020F0502020204030204" pitchFamily="34" charset="0"/>
+                      </a:endParaRPr>
+                    </a:p>
+                  </a:txBody>
+                  <a:tcPr marL="8745" marR="8745" marT="8745" marB="0" anchor="b"/>
+                </a:tc>
+                <a:extLst>
+                  <a:ext uri="{0D108BD9-81ED-4DB2-BD59-A6C34878D82A}">
+                    <a16:rowId xmlns:a16="http://schemas.microsoft.com/office/drawing/2014/main" val="3850938303"/>
+                  </a:ext>
+                </a:extLst>
+              </a:tr>
+              <a:tr h="174901">
+                <a:tc>
+                  <a:txBody>
+                    <a:bodyPr/>
+                    <a:lstStyle/>
+                    <a:p>
+                      <a:pPr algn="ctr" fontAlgn="ctr"/>
+                      <a:r>
+                        <a:rPr lang="sk-SK" sz="1200" u="none" strike="noStrike">
+                          <a:effectLst/>
+                        </a:rPr>
+                        <a:t>16</a:t>
+                      </a:r>
+                      <a:endParaRPr lang="sk-SK" sz="1200" b="0" i="0" u="none" strike="noStrike">
+                        <a:solidFill>
+                          <a:srgbClr val="000000"/>
+                        </a:solidFill>
+                        <a:effectLst/>
+                        <a:latin typeface="Calibri" panose="020F0502020204030204" pitchFamily="34" charset="0"/>
+                      </a:endParaRPr>
+                    </a:p>
+                  </a:txBody>
+                  <a:tcPr marL="8745" marR="8745" marT="8745" marB="0" anchor="ctr"/>
+                </a:tc>
+                <a:tc>
+                  <a:txBody>
+                    <a:bodyPr/>
+                    <a:lstStyle/>
+                    <a:p>
+                      <a:pPr algn="l" fontAlgn="b"/>
+                      <a:r>
+                        <a:rPr lang="sk-SK" sz="1200" u="none" strike="noStrike">
+                          <a:effectLst/>
+                        </a:rPr>
+                        <a:t>papierový poznámkový blok, iPod calendar</a:t>
+                      </a:r>
+                      <a:endParaRPr lang="sk-SK" sz="1200" b="0" i="0" u="none" strike="noStrike">
+                        <a:solidFill>
+                          <a:srgbClr val="000000"/>
+                        </a:solidFill>
+                        <a:effectLst/>
+                        <a:latin typeface="Calibri" panose="020F0502020204030204" pitchFamily="34" charset="0"/>
+                      </a:endParaRPr>
+                    </a:p>
+                  </a:txBody>
+                  <a:tcPr marL="8745" marR="8745" marT="8745" marB="0" anchor="b"/>
+                </a:tc>
+                <a:tc>
+                  <a:txBody>
+                    <a:bodyPr/>
+                    <a:lstStyle/>
+                    <a:p>
+                      <a:pPr algn="l" fontAlgn="b"/>
+                      <a:r>
+                        <a:rPr lang="sk-SK" sz="1200" u="none" strike="noStrike">
+                          <a:effectLst/>
+                        </a:rPr>
+                        <a:t>Make-doer</a:t>
+                      </a:r>
+                      <a:endParaRPr lang="sk-SK" sz="1200" b="0" i="0" u="none" strike="noStrike">
+                        <a:solidFill>
+                          <a:srgbClr val="000000"/>
+                        </a:solidFill>
+                        <a:effectLst/>
+                        <a:latin typeface="Calibri" panose="020F0502020204030204" pitchFamily="34" charset="0"/>
+                      </a:endParaRPr>
+                    </a:p>
+                  </a:txBody>
+                  <a:tcPr marL="8745" marR="8745" marT="8745" marB="0" anchor="b"/>
+                </a:tc>
+                <a:extLst>
+                  <a:ext uri="{0D108BD9-81ED-4DB2-BD59-A6C34878D82A}">
+                    <a16:rowId xmlns:a16="http://schemas.microsoft.com/office/drawing/2014/main" val="1689076392"/>
+                  </a:ext>
+                </a:extLst>
+              </a:tr>
+              <a:tr h="174901">
+                <a:tc>
+                  <a:txBody>
+                    <a:bodyPr/>
+                    <a:lstStyle/>
+                    <a:p>
+                      <a:pPr algn="ctr" fontAlgn="ctr"/>
+                      <a:r>
+                        <a:rPr lang="sk-SK" sz="1200" u="none" strike="noStrike">
+                          <a:effectLst/>
+                        </a:rPr>
+                        <a:t>17</a:t>
+                      </a:r>
+                      <a:endParaRPr lang="sk-SK" sz="1200" b="0" i="0" u="none" strike="noStrike">
+                        <a:solidFill>
+                          <a:srgbClr val="000000"/>
+                        </a:solidFill>
+                        <a:effectLst/>
+                        <a:latin typeface="Calibri" panose="020F0502020204030204" pitchFamily="34" charset="0"/>
+                      </a:endParaRPr>
+                    </a:p>
+                  </a:txBody>
+                  <a:tcPr marL="8745" marR="8745" marT="8745" marB="0" anchor="ctr"/>
+                </a:tc>
+                <a:tc>
+                  <a:txBody>
+                    <a:bodyPr/>
+                    <a:lstStyle/>
+                    <a:p>
+                      <a:pPr algn="l" fontAlgn="b"/>
+                      <a:r>
+                        <a:rPr lang="sk-SK" sz="1200" u="none" strike="noStrike">
+                          <a:effectLst/>
+                        </a:rPr>
+                        <a:t>Email, Google Calendar</a:t>
+                      </a:r>
+                      <a:endParaRPr lang="sk-SK" sz="1200" b="0" i="0" u="none" strike="noStrike">
+                        <a:solidFill>
+                          <a:srgbClr val="000000"/>
+                        </a:solidFill>
+                        <a:effectLst/>
+                        <a:latin typeface="Calibri" panose="020F0502020204030204" pitchFamily="34" charset="0"/>
+                      </a:endParaRPr>
+                    </a:p>
+                  </a:txBody>
+                  <a:tcPr marL="8745" marR="8745" marT="8745" marB="0" anchor="b"/>
+                </a:tc>
+                <a:tc>
+                  <a:txBody>
+                    <a:bodyPr/>
+                    <a:lstStyle/>
+                    <a:p>
+                      <a:pPr algn="l" fontAlgn="b"/>
+                      <a:r>
+                        <a:rPr lang="sk-SK" sz="1200" u="none" strike="noStrike">
+                          <a:effectLst/>
+                        </a:rPr>
+                        <a:t>Make-doer</a:t>
+                      </a:r>
+                      <a:endParaRPr lang="sk-SK" sz="1200" b="0" i="0" u="none" strike="noStrike">
+                        <a:solidFill>
+                          <a:srgbClr val="000000"/>
+                        </a:solidFill>
+                        <a:effectLst/>
+                        <a:latin typeface="Calibri" panose="020F0502020204030204" pitchFamily="34" charset="0"/>
+                      </a:endParaRPr>
+                    </a:p>
+                  </a:txBody>
+                  <a:tcPr marL="8745" marR="8745" marT="8745" marB="0" anchor="b"/>
+                </a:tc>
+                <a:extLst>
+                  <a:ext uri="{0D108BD9-81ED-4DB2-BD59-A6C34878D82A}">
+                    <a16:rowId xmlns:a16="http://schemas.microsoft.com/office/drawing/2014/main" val="3178592639"/>
+                  </a:ext>
+                </a:extLst>
+              </a:tr>
+              <a:tr h="174901">
+                <a:tc>
+                  <a:txBody>
+                    <a:bodyPr/>
+                    <a:lstStyle/>
+                    <a:p>
+                      <a:pPr algn="ctr" fontAlgn="ctr"/>
+                      <a:r>
+                        <a:rPr lang="sk-SK" sz="1200" u="none" strike="noStrike">
+                          <a:effectLst/>
+                        </a:rPr>
+                        <a:t>18</a:t>
+                      </a:r>
+                      <a:endParaRPr lang="sk-SK" sz="1200" b="0" i="0" u="none" strike="noStrike">
+                        <a:solidFill>
+                          <a:srgbClr val="000000"/>
+                        </a:solidFill>
+                        <a:effectLst/>
+                        <a:latin typeface="Calibri" panose="020F0502020204030204" pitchFamily="34" charset="0"/>
+                      </a:endParaRPr>
+                    </a:p>
+                  </a:txBody>
+                  <a:tcPr marL="8745" marR="8745" marT="8745" marB="0" anchor="ctr"/>
+                </a:tc>
+                <a:tc>
+                  <a:txBody>
+                    <a:bodyPr/>
+                    <a:lstStyle/>
+                    <a:p>
+                      <a:pPr algn="l" fontAlgn="b"/>
+                      <a:r>
+                        <a:rPr lang="sk-SK" sz="1200" u="none" strike="noStrike">
+                          <a:effectLst/>
+                        </a:rPr>
+                        <a:t>Calendar (Google, iphone), poznámkový zošit</a:t>
+                      </a:r>
+                      <a:endParaRPr lang="sk-SK" sz="1200" b="0" i="0" u="none" strike="noStrike">
+                        <a:solidFill>
+                          <a:srgbClr val="000000"/>
+                        </a:solidFill>
+                        <a:effectLst/>
+                        <a:latin typeface="Calibri" panose="020F0502020204030204" pitchFamily="34" charset="0"/>
+                      </a:endParaRPr>
+                    </a:p>
+                  </a:txBody>
+                  <a:tcPr marL="8745" marR="8745" marT="8745" marB="0" anchor="b"/>
+                </a:tc>
+                <a:tc>
+                  <a:txBody>
+                    <a:bodyPr/>
+                    <a:lstStyle/>
+                    <a:p>
+                      <a:pPr algn="l" fontAlgn="b"/>
+                      <a:r>
+                        <a:rPr lang="sk-SK" sz="1200" u="none" strike="noStrike">
+                          <a:effectLst/>
+                        </a:rPr>
+                        <a:t>Make-doer</a:t>
+                      </a:r>
+                      <a:endParaRPr lang="sk-SK" sz="1200" b="0" i="0" u="none" strike="noStrike">
+                        <a:solidFill>
+                          <a:srgbClr val="000000"/>
+                        </a:solidFill>
+                        <a:effectLst/>
+                        <a:latin typeface="Calibri" panose="020F0502020204030204" pitchFamily="34" charset="0"/>
+                      </a:endParaRPr>
+                    </a:p>
+                  </a:txBody>
+                  <a:tcPr marL="8745" marR="8745" marT="8745" marB="0" anchor="b"/>
+                </a:tc>
+                <a:extLst>
+                  <a:ext uri="{0D108BD9-81ED-4DB2-BD59-A6C34878D82A}">
+                    <a16:rowId xmlns:a16="http://schemas.microsoft.com/office/drawing/2014/main" val="1681756641"/>
+                  </a:ext>
+                </a:extLst>
+              </a:tr>
+              <a:tr h="174901">
+                <a:tc>
+                  <a:txBody>
+                    <a:bodyPr/>
+                    <a:lstStyle/>
+                    <a:p>
+                      <a:pPr algn="ctr" fontAlgn="ctr"/>
+                      <a:r>
+                        <a:rPr lang="sk-SK" sz="1200" u="none" strike="noStrike">
+                          <a:effectLst/>
+                        </a:rPr>
+                        <a:t>19</a:t>
+                      </a:r>
+                      <a:endParaRPr lang="sk-SK" sz="1200" b="0" i="0" u="none" strike="noStrike">
+                        <a:solidFill>
+                          <a:srgbClr val="000000"/>
+                        </a:solidFill>
+                        <a:effectLst/>
+                        <a:latin typeface="Calibri" panose="020F0502020204030204" pitchFamily="34" charset="0"/>
+                      </a:endParaRPr>
+                    </a:p>
+                  </a:txBody>
+                  <a:tcPr marL="8745" marR="8745" marT="8745" marB="0" anchor="ctr"/>
+                </a:tc>
+                <a:tc>
+                  <a:txBody>
+                    <a:bodyPr/>
+                    <a:lstStyle/>
+                    <a:p>
+                      <a:pPr algn="l" fontAlgn="b"/>
+                      <a:r>
+                        <a:rPr lang="sk-SK" sz="1200" u="none" strike="noStrike">
+                          <a:effectLst/>
+                        </a:rPr>
+                        <a:t>Google Calendar, Firefox Tabs, textové súbory</a:t>
+                      </a:r>
+                      <a:endParaRPr lang="sk-SK" sz="1200" b="0" i="0" u="none" strike="noStrike">
+                        <a:solidFill>
+                          <a:srgbClr val="000000"/>
+                        </a:solidFill>
+                        <a:effectLst/>
+                        <a:latin typeface="Calibri" panose="020F0502020204030204" pitchFamily="34" charset="0"/>
+                      </a:endParaRPr>
+                    </a:p>
+                  </a:txBody>
+                  <a:tcPr marL="8745" marR="8745" marT="8745" marB="0" anchor="b"/>
+                </a:tc>
+                <a:tc>
+                  <a:txBody>
+                    <a:bodyPr/>
+                    <a:lstStyle/>
+                    <a:p>
+                      <a:pPr algn="l" fontAlgn="b"/>
+                      <a:r>
+                        <a:rPr lang="sk-SK" sz="1200" u="none" strike="noStrike">
+                          <a:effectLst/>
+                        </a:rPr>
+                        <a:t>Make-doer</a:t>
+                      </a:r>
+                      <a:endParaRPr lang="sk-SK" sz="1200" b="0" i="0" u="none" strike="noStrike">
+                        <a:solidFill>
+                          <a:srgbClr val="000000"/>
+                        </a:solidFill>
+                        <a:effectLst/>
+                        <a:latin typeface="Calibri" panose="020F0502020204030204" pitchFamily="34" charset="0"/>
+                      </a:endParaRPr>
+                    </a:p>
+                  </a:txBody>
+                  <a:tcPr marL="8745" marR="8745" marT="8745" marB="0" anchor="b"/>
+                </a:tc>
+                <a:extLst>
+                  <a:ext uri="{0D108BD9-81ED-4DB2-BD59-A6C34878D82A}">
+                    <a16:rowId xmlns:a16="http://schemas.microsoft.com/office/drawing/2014/main" val="557232391"/>
+                  </a:ext>
+                </a:extLst>
+              </a:tr>
+              <a:tr h="174901">
+                <a:tc rowSpan="3">
+                  <a:txBody>
+                    <a:bodyPr/>
+                    <a:lstStyle/>
+                    <a:p>
+                      <a:pPr algn="ctr" fontAlgn="ctr"/>
+                      <a:r>
+                        <a:rPr lang="sk-SK" sz="1200" u="none" strike="noStrike">
+                          <a:effectLst/>
+                        </a:rPr>
+                        <a:t>Počet</a:t>
+                      </a:r>
+                      <a:endParaRPr lang="sk-SK" sz="1200" b="0" i="0" u="none" strike="noStrike">
+                        <a:solidFill>
+                          <a:srgbClr val="000000"/>
+                        </a:solidFill>
+                        <a:effectLst/>
+                        <a:latin typeface="Calibri" panose="020F0502020204030204" pitchFamily="34" charset="0"/>
+                      </a:endParaRPr>
+                    </a:p>
+                  </a:txBody>
+                  <a:tcPr marL="8745" marR="8745" marT="8745" marB="0" anchor="ctr"/>
+                </a:tc>
+                <a:tc>
+                  <a:txBody>
+                    <a:bodyPr/>
+                    <a:lstStyle/>
+                    <a:p>
+                      <a:pPr algn="l" fontAlgn="b"/>
+                      <a:r>
+                        <a:rPr lang="sk-SK" sz="1200" u="none" strike="noStrike">
+                          <a:effectLst/>
+                        </a:rPr>
+                        <a:t>DYIer</a:t>
+                      </a:r>
+                      <a:endParaRPr lang="sk-SK" sz="1200" b="1" i="0" u="none" strike="noStrike">
+                        <a:solidFill>
+                          <a:srgbClr val="000000"/>
+                        </a:solidFill>
+                        <a:effectLst/>
+                        <a:latin typeface="Calibri" panose="020F0502020204030204" pitchFamily="34" charset="0"/>
+                      </a:endParaRPr>
+                    </a:p>
+                  </a:txBody>
+                  <a:tcPr marL="8745" marR="8745" marT="8745" marB="0" anchor="b"/>
+                </a:tc>
+                <a:tc>
+                  <a:txBody>
+                    <a:bodyPr/>
+                    <a:lstStyle/>
+                    <a:p>
+                      <a:pPr algn="ctr" fontAlgn="b"/>
+                      <a:r>
+                        <a:rPr lang="sk-SK" sz="1200" u="none" strike="noStrike">
+                          <a:effectLst/>
+                        </a:rPr>
+                        <a:t>11</a:t>
+                      </a:r>
+                      <a:endParaRPr lang="sk-SK" sz="1200" b="1" i="0" u="none" strike="noStrike">
+                        <a:solidFill>
+                          <a:srgbClr val="000000"/>
+                        </a:solidFill>
+                        <a:effectLst/>
+                        <a:latin typeface="Calibri" panose="020F0502020204030204" pitchFamily="34" charset="0"/>
+                      </a:endParaRPr>
+                    </a:p>
+                  </a:txBody>
+                  <a:tcPr marL="8745" marR="8745" marT="8745" marB="0" anchor="b"/>
+                </a:tc>
+                <a:extLst>
+                  <a:ext uri="{0D108BD9-81ED-4DB2-BD59-A6C34878D82A}">
+                    <a16:rowId xmlns:a16="http://schemas.microsoft.com/office/drawing/2014/main" val="3593790362"/>
+                  </a:ext>
+                </a:extLst>
+              </a:tr>
+              <a:tr h="174901">
+                <a:tc vMerge="1">
+                  <a:txBody>
+                    <a:bodyPr/>
+                    <a:lstStyle/>
+                    <a:p>
+                      <a:endParaRPr lang="sk-SK"/>
+                    </a:p>
+                  </a:txBody>
+                  <a:tcPr/>
+                </a:tc>
+                <a:tc>
+                  <a:txBody>
+                    <a:bodyPr/>
+                    <a:lstStyle/>
+                    <a:p>
+                      <a:pPr algn="l" fontAlgn="b"/>
+                      <a:r>
+                        <a:rPr lang="sk-SK" sz="1200" u="none" strike="noStrike">
+                          <a:effectLst/>
+                        </a:rPr>
+                        <a:t>Adopter</a:t>
+                      </a:r>
+                      <a:endParaRPr lang="sk-SK" sz="1200" b="1" i="0" u="none" strike="noStrike">
+                        <a:solidFill>
+                          <a:srgbClr val="000000"/>
+                        </a:solidFill>
+                        <a:effectLst/>
+                        <a:latin typeface="Calibri" panose="020F0502020204030204" pitchFamily="34" charset="0"/>
+                      </a:endParaRPr>
+                    </a:p>
+                  </a:txBody>
+                  <a:tcPr marL="8745" marR="8745" marT="8745" marB="0" anchor="b"/>
+                </a:tc>
+                <a:tc>
+                  <a:txBody>
+                    <a:bodyPr/>
+                    <a:lstStyle/>
+                    <a:p>
+                      <a:pPr algn="ctr" fontAlgn="b"/>
+                      <a:r>
+                        <a:rPr lang="sk-SK" sz="1200" u="none" strike="noStrike">
+                          <a:effectLst/>
+                        </a:rPr>
+                        <a:t>4</a:t>
+                      </a:r>
+                      <a:endParaRPr lang="sk-SK" sz="1200" b="1" i="0" u="none" strike="noStrike">
+                        <a:solidFill>
+                          <a:srgbClr val="000000"/>
+                        </a:solidFill>
+                        <a:effectLst/>
+                        <a:latin typeface="Calibri" panose="020F0502020204030204" pitchFamily="34" charset="0"/>
+                      </a:endParaRPr>
+                    </a:p>
+                  </a:txBody>
+                  <a:tcPr marL="8745" marR="8745" marT="8745" marB="0" anchor="b"/>
+                </a:tc>
+                <a:extLst>
+                  <a:ext uri="{0D108BD9-81ED-4DB2-BD59-A6C34878D82A}">
+                    <a16:rowId xmlns:a16="http://schemas.microsoft.com/office/drawing/2014/main" val="1192752770"/>
+                  </a:ext>
+                </a:extLst>
+              </a:tr>
+              <a:tr h="174901">
+                <a:tc vMerge="1">
+                  <a:txBody>
+                    <a:bodyPr/>
+                    <a:lstStyle/>
+                    <a:p>
+                      <a:endParaRPr lang="sk-SK"/>
+                    </a:p>
+                  </a:txBody>
+                  <a:tcPr/>
+                </a:tc>
+                <a:tc>
+                  <a:txBody>
+                    <a:bodyPr/>
+                    <a:lstStyle/>
+                    <a:p>
+                      <a:pPr algn="l" fontAlgn="b"/>
+                      <a:r>
+                        <a:rPr lang="sk-SK" sz="1200" u="none" strike="noStrike">
+                          <a:effectLst/>
+                        </a:rPr>
+                        <a:t>Make-Doer</a:t>
+                      </a:r>
+                      <a:endParaRPr lang="sk-SK" sz="1200" b="1" i="0" u="none" strike="noStrike">
+                        <a:solidFill>
+                          <a:srgbClr val="000000"/>
+                        </a:solidFill>
+                        <a:effectLst/>
+                        <a:latin typeface="Calibri" panose="020F0502020204030204" pitchFamily="34" charset="0"/>
+                      </a:endParaRPr>
+                    </a:p>
+                  </a:txBody>
+                  <a:tcPr marL="8745" marR="8745" marT="8745" marB="0" anchor="b"/>
+                </a:tc>
+                <a:tc>
+                  <a:txBody>
+                    <a:bodyPr/>
+                    <a:lstStyle/>
+                    <a:p>
+                      <a:pPr algn="ctr" fontAlgn="b"/>
+                      <a:r>
+                        <a:rPr lang="sk-SK" sz="1200" u="none" strike="noStrike">
+                          <a:effectLst/>
+                        </a:rPr>
+                        <a:t>4</a:t>
+                      </a:r>
+                      <a:endParaRPr lang="sk-SK" sz="1200" b="1" i="0" u="none" strike="noStrike">
+                        <a:solidFill>
+                          <a:srgbClr val="000000"/>
+                        </a:solidFill>
+                        <a:effectLst/>
+                        <a:latin typeface="Calibri" panose="020F0502020204030204" pitchFamily="34" charset="0"/>
+                      </a:endParaRPr>
+                    </a:p>
+                  </a:txBody>
+                  <a:tcPr marL="8745" marR="8745" marT="8745" marB="0" anchor="b"/>
+                </a:tc>
+                <a:extLst>
+                  <a:ext uri="{0D108BD9-81ED-4DB2-BD59-A6C34878D82A}">
+                    <a16:rowId xmlns:a16="http://schemas.microsoft.com/office/drawing/2014/main" val="3166449010"/>
+                  </a:ext>
+                </a:extLst>
+              </a:tr>
+            </a:tbl>
+          </a:graphicData>
+        </a:graphic>
+      </p:graphicFrame>
+      <p:graphicFrame>
+        <p:nvGraphicFramePr>
+          <p:cNvPr id="10" name="Graf 9">
+            <a:extLst>
+              <a:ext uri="{FF2B5EF4-FFF2-40B4-BE49-F238E27FC236}">
+                <a16:creationId xmlns:a16="http://schemas.microsoft.com/office/drawing/2014/main" id="{34D158C5-6E37-4447-B08B-BAAB4275E9EF}"/>
+              </a:ext>
+            </a:extLst>
+          </p:cNvPr>
+          <p:cNvGraphicFramePr>
+            <a:graphicFrameLocks/>
+          </p:cNvGraphicFramePr>
+          <p:nvPr>
+            <p:extLst>
+              <p:ext uri="{D42A27DB-BD31-4B8C-83A1-F6EECF244321}">
+                <p14:modId xmlns:p14="http://schemas.microsoft.com/office/powerpoint/2010/main" val="989087140"/>
+              </p:ext>
+            </p:extLst>
+          </p:nvPr>
+        </p:nvGraphicFramePr>
+        <p:xfrm>
+          <a:off x="1024128" y="2084832"/>
+          <a:ext cx="3637397" cy="3926342"/>
+        </p:xfrm>
+        <a:graphic>
+          <a:graphicData uri="http://schemas.openxmlformats.org/drawingml/2006/chart">
+            <c:chart xmlns:c="http://schemas.openxmlformats.org/drawingml/2006/chart" xmlns:r="http://schemas.openxmlformats.org/officeDocument/2006/relationships" r:id="rId2"/>
+          </a:graphicData>
+        </a:graphic>
+      </p:graphicFrame>
+    </p:spTree>
+    <p:extLst>
+      <p:ext uri="{BB962C8B-B14F-4D97-AF65-F5344CB8AC3E}">
+        <p14:creationId xmlns:p14="http://schemas.microsoft.com/office/powerpoint/2010/main" val="1479504594"/>
+      </p:ext>
+    </p:extLst>
+  </p:cSld>
+  <p:clrMapOvr>
+    <a:masterClrMapping/>
+  </p:clrMapOvr>
+</p:sld>
+</file>
+
+<file path=ppt/slides/slide9.xml><?xml version="1.0" encoding="utf-8"?>
+<p:sld xmlns:a="http://schemas.openxmlformats.org/drawingml/2006/main" xmlns:r="http://schemas.openxmlformats.org/officeDocument/2006/relationships" xmlns:p="http://schemas.openxmlformats.org/presentationml/2006/main">
+  <p:cSld>
+    <p:spTree>
+      <p:nvGrpSpPr>
+        <p:cNvPr id="1" name=""/>
+        <p:cNvGrpSpPr/>
+        <p:nvPr/>
+      </p:nvGrpSpPr>
+      <p:grpSpPr>
+        <a:xfrm>
+          <a:off x="0" y="0"/>
+          <a:ext cx="0" cy="0"/>
+          <a:chOff x="0" y="0"/>
+          <a:chExt cx="0" cy="0"/>
+        </a:xfrm>
+      </p:grpSpPr>
+      <p:sp>
+        <p:nvSpPr>
+          <p:cNvPr id="2" name="Nadpis 1">
+            <a:extLst>
+              <a:ext uri="{FF2B5EF4-FFF2-40B4-BE49-F238E27FC236}">
+                <a16:creationId xmlns:a16="http://schemas.microsoft.com/office/drawing/2014/main" id="{CB4070E3-C16B-4B45-AAE8-C1A00D81E610}"/>
+              </a:ext>
+            </a:extLst>
+          </p:cNvPr>
+          <p:cNvSpPr>
+            <a:spLocks noGrp="1"/>
+          </p:cNvSpPr>
+          <p:nvPr>
+            <p:ph type="title"/>
+          </p:nvPr>
+        </p:nvSpPr>
+        <p:spPr/>
+        <p:txBody>
+          <a:bodyPr/>
+          <a:lstStyle/>
+          <a:p>
+            <a:r>
+              <a:rPr lang="sk-SK"/>
+              <a:t>Vplyv v edukačnom prostredí</a:t>
+            </a:r>
           </a:p>
         </p:txBody>
       </p:sp>
@@ -22018,7 +25163,7 @@
           <p:cNvPr id="3" name="Zástupný objekt pre obsah 2">
             <a:extLst>
               <a:ext uri="{FF2B5EF4-FFF2-40B4-BE49-F238E27FC236}">
-                <a16:creationId xmlns:a16="http://schemas.microsoft.com/office/drawing/2014/main" id="{AFD5E67F-BA36-449A-BCFB-FDDA82003DCF}"/>
+                <a16:creationId xmlns:a16="http://schemas.microsoft.com/office/drawing/2014/main" id="{F9BB5A0A-3FA6-401C-9DD0-06CD4F612FA8}"/>
               </a:ext>
             </a:extLst>
           </p:cNvPr>
@@ -22034,14 +25179,71 @@
           <a:bodyPr/>
           <a:lstStyle/>
           <a:p>
-            <a:endParaRPr lang="sk-SK"/>
+            <a:pPr>
+              <a:buFont typeface="Wingdings" panose="05000000000000000000" pitchFamily="2" charset="2"/>
+              <a:buChar char="Ø"/>
+            </a:pPr>
+            <a:r>
+              <a:rPr lang="sk-SK"/>
+              <a:t> rôzne psychologické štúdie</a:t>
+            </a:r>
+          </a:p>
+          <a:p>
+            <a:pPr>
+              <a:buFont typeface="Wingdings" panose="05000000000000000000" pitchFamily="2" charset="2"/>
+              <a:buChar char="Ø"/>
+            </a:pPr>
+            <a:r>
+              <a:rPr lang="sk-SK"/>
+              <a:t> vážnosť problému – študenti – veľa úloh, málo času</a:t>
+            </a:r>
+          </a:p>
+          <a:p>
+            <a:pPr>
+              <a:buFont typeface="Wingdings" panose="05000000000000000000" pitchFamily="2" charset="2"/>
+              <a:buChar char="Ø"/>
+            </a:pPr>
+            <a:r>
+              <a:rPr lang="sk-SK"/>
+              <a:t> všeobecne platí: zlý časový manažment = horšie výsledky</a:t>
+            </a:r>
+          </a:p>
+          <a:p>
+            <a:pPr>
+              <a:buFont typeface="Wingdings" panose="05000000000000000000" pitchFamily="2" charset="2"/>
+              <a:buChar char="Ø"/>
+            </a:pPr>
+            <a:r>
+              <a:rPr lang="sk-SK"/>
+              <a:t> menej stresu</a:t>
+            </a:r>
+          </a:p>
+          <a:p>
+            <a:pPr>
+              <a:buFont typeface="Wingdings" panose="05000000000000000000" pitchFamily="2" charset="2"/>
+              <a:buChar char="Ø"/>
+            </a:pPr>
+            <a:r>
+              <a:rPr lang="sk-SK"/>
+              <a:t> možnosť zlepšiť efektivitu = viac voľného času</a:t>
+            </a:r>
+          </a:p>
+          <a:p>
+            <a:pPr>
+              <a:buFont typeface="Wingdings" panose="05000000000000000000" pitchFamily="2" charset="2"/>
+              <a:buChar char="Ø"/>
+            </a:pPr>
+            <a:r>
+              <a:rPr lang="sk-SK"/>
+              <a:t> dôležité informovať študentov</a:t>
+            </a:r>
           </a:p>
         </p:txBody>
       </p:sp>
     </p:spTree>
     <p:extLst>
       <p:ext uri="{BB962C8B-B14F-4D97-AF65-F5344CB8AC3E}">
-        <p14:creationId xmlns:p14="http://schemas.microsoft.com/office/powerpoint/2010/main" val="1479504594"/>
+        <p14:creationId xmlns:p14="http://schemas.microsoft.com/office/powerpoint/2010/main" val="2865228204"/>
       </p:ext>
     </p:extLst>
   </p:cSld>
